--- a/多目標最佳化.pptx
+++ b/多目標最佳化.pptx
@@ -13,6 +13,7 @@
     <p:sldId id="261" r:id="rId7"/>
     <p:sldId id="262" r:id="rId8"/>
     <p:sldId id="263" r:id="rId9"/>
+    <p:sldId id="264" r:id="rId10"/>
   </p:sldIdLst>
   <p:sldSz cx="12192000" cy="6858000"/>
   <p:notesSz cx="6858000" cy="9144000"/>
@@ -111,6 +112,11 @@
       </a:defRPr>
     </a:lvl9pPr>
   </p:defaultTextStyle>
+  <p:extLst>
+    <p:ext uri="{EFAFB233-063F-42B5-8137-9DF3F51BA10A}">
+      <p15:sldGuideLst xmlns:p15="http://schemas.microsoft.com/office/powerpoint/2012/main"/>
+    </p:ext>
+  </p:extLst>
 </p:presentation>
 </file>
 
@@ -7545,6 +7551,270 @@
 </p:sld>
 </file>
 
+<file path=ppt/slides/slide9.xml><?xml version="1.0" encoding="utf-8"?>
+<p:sld xmlns:a="http://schemas.openxmlformats.org/drawingml/2006/main" xmlns:r="http://schemas.openxmlformats.org/officeDocument/2006/relationships" xmlns:p="http://schemas.openxmlformats.org/presentationml/2006/main">
+  <p:cSld>
+    <p:spTree>
+      <p:nvGrpSpPr>
+        <p:cNvPr id="1" name=""/>
+        <p:cNvGrpSpPr/>
+        <p:nvPr/>
+      </p:nvGrpSpPr>
+      <p:grpSpPr>
+        <a:xfrm>
+          <a:off x="0" y="0"/>
+          <a:ext cx="0" cy="0"/>
+          <a:chOff x="0" y="0"/>
+          <a:chExt cx="0" cy="0"/>
+        </a:xfrm>
+      </p:grpSpPr>
+      <p:sp>
+        <p:nvSpPr>
+          <p:cNvPr id="2" name="標題 1">
+            <a:extLst>
+              <a:ext uri="{FF2B5EF4-FFF2-40B4-BE49-F238E27FC236}">
+                <a16:creationId xmlns:a16="http://schemas.microsoft.com/office/drawing/2014/main" id="{296E0119-D9EE-43FD-BAD5-A24721895743}"/>
+              </a:ext>
+            </a:extLst>
+          </p:cNvPr>
+          <p:cNvSpPr>
+            <a:spLocks noGrp="1"/>
+          </p:cNvSpPr>
+          <p:nvPr>
+            <p:ph type="title"/>
+          </p:nvPr>
+        </p:nvSpPr>
+        <p:spPr/>
+        <p:txBody>
+          <a:bodyPr/>
+          <a:lstStyle/>
+          <a:p>
+            <a:r>
+              <a:rPr lang="en-US" altLang="zh-TW" dirty="0"/>
+              <a:t>A priori methods</a:t>
+            </a:r>
+            <a:r>
+              <a:rPr lang="zh-TW" altLang="en-US" dirty="0"/>
+              <a:t>的流程圖</a:t>
+            </a:r>
+          </a:p>
+        </p:txBody>
+      </p:sp>
+      <p:pic>
+        <p:nvPicPr>
+          <p:cNvPr id="11" name="內容版面配置區 10">
+            <a:extLst>
+              <a:ext uri="{FF2B5EF4-FFF2-40B4-BE49-F238E27FC236}">
+                <a16:creationId xmlns:a16="http://schemas.microsoft.com/office/drawing/2014/main" id="{32BF1384-5E6A-4A8B-803C-E7EF965B22BB}"/>
+              </a:ext>
+            </a:extLst>
+          </p:cNvPr>
+          <p:cNvPicPr>
+            <a:picLocks noGrp="1" noChangeAspect="1"/>
+          </p:cNvPicPr>
+          <p:nvPr>
+            <p:ph idx="1"/>
+          </p:nvPr>
+        </p:nvPicPr>
+        <p:blipFill>
+          <a:blip r:embed="rId2">
+            <a:extLst>
+              <a:ext uri="{28A0092B-C50C-407E-A947-70E740481C1C}">
+                <a14:useLocalDpi xmlns:a14="http://schemas.microsoft.com/office/drawing/2010/main" val="0"/>
+              </a:ext>
+            </a:extLst>
+          </a:blip>
+          <a:stretch>
+            <a:fillRect/>
+          </a:stretch>
+        </p:blipFill>
+        <p:spPr>
+          <a:xfrm>
+            <a:off x="4762619" y="1825625"/>
+            <a:ext cx="2666761" cy="4351338"/>
+          </a:xfrm>
+        </p:spPr>
+      </p:pic>
+      <p:sp>
+        <p:nvSpPr>
+          <p:cNvPr id="12" name="文字方塊 11">
+            <a:extLst>
+              <a:ext uri="{FF2B5EF4-FFF2-40B4-BE49-F238E27FC236}">
+                <a16:creationId xmlns:a16="http://schemas.microsoft.com/office/drawing/2014/main" id="{4852DF88-DAE8-4684-8F4E-FEDD2FD289FB}"/>
+              </a:ext>
+            </a:extLst>
+          </p:cNvPr>
+          <p:cNvSpPr txBox="1"/>
+          <p:nvPr/>
+        </p:nvSpPr>
+        <p:spPr>
+          <a:xfrm>
+            <a:off x="838200" y="6215876"/>
+            <a:ext cx="5206425" cy="276999"/>
+          </a:xfrm>
+          <a:prstGeom prst="rect">
+            <a:avLst/>
+          </a:prstGeom>
+          <a:noFill/>
+        </p:spPr>
+        <p:txBody>
+          <a:bodyPr wrap="none" rtlCol="0">
+            <a:spAutoFit/>
+          </a:bodyPr>
+          <a:lstStyle/>
+          <a:p>
+            <a:r>
+              <a:rPr lang="en-US" altLang="zh-TW" sz="1200" dirty="0">
+                <a:solidFill>
+                  <a:srgbClr val="222222"/>
+                </a:solidFill>
+                <a:latin typeface="Arial" panose="020B0604020202020204" pitchFamily="34" charset="0"/>
+                <a:hlinkClick r:id="rId3"/>
+              </a:rPr>
+              <a:t>[1] </a:t>
+            </a:r>
+            <a:r>
+              <a:rPr lang="en-US" altLang="zh-TW" sz="1200" dirty="0" err="1">
+                <a:solidFill>
+                  <a:srgbClr val="222222"/>
+                </a:solidFill>
+                <a:latin typeface="Arial" panose="020B0604020202020204" pitchFamily="34" charset="0"/>
+                <a:hlinkClick r:id="rId3"/>
+              </a:rPr>
+              <a:t>Seyedali</a:t>
+            </a:r>
+            <a:r>
+              <a:rPr lang="en-US" altLang="zh-TW" sz="1200" dirty="0">
+                <a:solidFill>
+                  <a:srgbClr val="222222"/>
+                </a:solidFill>
+                <a:latin typeface="Arial" panose="020B0604020202020204" pitchFamily="34" charset="0"/>
+                <a:hlinkClick r:id="rId3"/>
+              </a:rPr>
+              <a:t> </a:t>
+            </a:r>
+            <a:r>
+              <a:rPr lang="en-US" altLang="zh-TW" sz="1200" dirty="0" err="1">
+                <a:solidFill>
+                  <a:srgbClr val="222222"/>
+                </a:solidFill>
+                <a:latin typeface="Arial" panose="020B0604020202020204" pitchFamily="34" charset="0"/>
+                <a:hlinkClick r:id="rId3"/>
+              </a:rPr>
+              <a:t>Mirjalili</a:t>
+            </a:r>
+            <a:r>
+              <a:rPr lang="en-US" altLang="zh-TW" sz="1200" dirty="0">
+                <a:solidFill>
+                  <a:srgbClr val="222222"/>
+                </a:solidFill>
+                <a:latin typeface="Arial" panose="020B0604020202020204" pitchFamily="34" charset="0"/>
+                <a:hlinkClick r:id="rId3"/>
+              </a:rPr>
+              <a:t>, Multi-objective Optimization Problems and Algorithms</a:t>
+            </a:r>
+            <a:endParaRPr lang="zh-TW" altLang="en-US" sz="1200" dirty="0"/>
+          </a:p>
+        </p:txBody>
+      </p:sp>
+      <p:sp>
+        <p:nvSpPr>
+          <p:cNvPr id="13" name="文字方塊 12">
+            <a:extLst>
+              <a:ext uri="{FF2B5EF4-FFF2-40B4-BE49-F238E27FC236}">
+                <a16:creationId xmlns:a16="http://schemas.microsoft.com/office/drawing/2014/main" id="{9BB8B84D-D1A3-4A7F-865D-171B44206CCA}"/>
+              </a:ext>
+            </a:extLst>
+          </p:cNvPr>
+          <p:cNvSpPr txBox="1"/>
+          <p:nvPr/>
+        </p:nvSpPr>
+        <p:spPr>
+          <a:xfrm>
+            <a:off x="8832304" y="3212976"/>
+            <a:ext cx="3175851" cy="646331"/>
+          </a:xfrm>
+          <a:prstGeom prst="rect">
+            <a:avLst/>
+          </a:prstGeom>
+          <a:noFill/>
+        </p:spPr>
+        <p:txBody>
+          <a:bodyPr wrap="square" rtlCol="0">
+            <a:spAutoFit/>
+          </a:bodyPr>
+          <a:lstStyle/>
+          <a:p>
+            <a:r>
+              <a:rPr lang="en-US" altLang="zh-TW" b="1" dirty="0">
+                <a:solidFill>
+                  <a:srgbClr val="FF0000"/>
+                </a:solidFill>
+                <a:latin typeface="微軟正黑體" panose="020B0604030504040204" pitchFamily="34" charset="-120"/>
+                <a:ea typeface="微軟正黑體" panose="020B0604030504040204" pitchFamily="34" charset="-120"/>
+              </a:rPr>
+              <a:t>[1]</a:t>
+            </a:r>
+            <a:r>
+              <a:rPr lang="zh-TW" altLang="en-US" b="1" dirty="0">
+                <a:solidFill>
+                  <a:srgbClr val="FF0000"/>
+                </a:solidFill>
+                <a:latin typeface="微軟正黑體" panose="020B0604030504040204" pitchFamily="34" charset="-120"/>
+                <a:ea typeface="微軟正黑體" panose="020B0604030504040204" pitchFamily="34" charset="-120"/>
+              </a:rPr>
+              <a:t>第</a:t>
+            </a:r>
+            <a:r>
+              <a:rPr lang="en-US" altLang="zh-TW" b="1" dirty="0">
+                <a:solidFill>
+                  <a:srgbClr val="FF0000"/>
+                </a:solidFill>
+                <a:latin typeface="微軟正黑體" panose="020B0604030504040204" pitchFamily="34" charset="-120"/>
+                <a:ea typeface="微軟正黑體" panose="020B0604030504040204" pitchFamily="34" charset="-120"/>
+              </a:rPr>
+              <a:t>17</a:t>
+            </a:r>
+            <a:r>
+              <a:rPr lang="zh-TW" altLang="en-US" b="1" dirty="0">
+                <a:solidFill>
+                  <a:srgbClr val="FF0000"/>
+                </a:solidFill>
+                <a:latin typeface="微軟正黑體" panose="020B0604030504040204" pitchFamily="34" charset="-120"/>
+                <a:ea typeface="微軟正黑體" panose="020B0604030504040204" pitchFamily="34" charset="-120"/>
+              </a:rPr>
+              <a:t>堂課的代碼流程圖，不確定講師是參考哪篇</a:t>
+            </a:r>
+            <a:r>
+              <a:rPr lang="en-US" altLang="zh-TW" b="1" dirty="0">
+                <a:solidFill>
+                  <a:srgbClr val="FF0000"/>
+                </a:solidFill>
+                <a:latin typeface="微軟正黑體" panose="020B0604030504040204" pitchFamily="34" charset="-120"/>
+                <a:ea typeface="微軟正黑體" panose="020B0604030504040204" pitchFamily="34" charset="-120"/>
+              </a:rPr>
+              <a:t>paper</a:t>
+            </a:r>
+            <a:endParaRPr lang="zh-TW" altLang="en-US" dirty="0">
+              <a:latin typeface="微軟正黑體" panose="020B0604030504040204" pitchFamily="34" charset="-120"/>
+              <a:ea typeface="微軟正黑體" panose="020B0604030504040204" pitchFamily="34" charset="-120"/>
+            </a:endParaRPr>
+          </a:p>
+        </p:txBody>
+      </p:sp>
+    </p:spTree>
+    <p:extLst>
+      <p:ext uri="{BB962C8B-B14F-4D97-AF65-F5344CB8AC3E}">
+        <p14:creationId xmlns:p14="http://schemas.microsoft.com/office/powerpoint/2010/main" val="732338044"/>
+      </p:ext>
+    </p:extLst>
+  </p:cSld>
+  <p:clrMapOvr>
+    <a:masterClrMapping/>
+  </p:clrMapOvr>
+</p:sld>
+</file>
+
 <file path=ppt/theme/theme1.xml><?xml version="1.0" encoding="utf-8"?>
 <a:theme xmlns:a="http://schemas.openxmlformats.org/drawingml/2006/main" name="Office 佈景主題">
   <a:themeElements>

--- a/多目標最佳化.pptx
+++ b/多目標最佳化.pptx
@@ -7600,12 +7600,179 @@
           </a:p>
         </p:txBody>
       </p:sp>
+      <p:sp>
+        <p:nvSpPr>
+          <p:cNvPr id="12" name="文字方塊 11">
+            <a:extLst>
+              <a:ext uri="{FF2B5EF4-FFF2-40B4-BE49-F238E27FC236}">
+                <a16:creationId xmlns:a16="http://schemas.microsoft.com/office/drawing/2014/main" id="{4852DF88-DAE8-4684-8F4E-FEDD2FD289FB}"/>
+              </a:ext>
+            </a:extLst>
+          </p:cNvPr>
+          <p:cNvSpPr txBox="1"/>
+          <p:nvPr/>
+        </p:nvSpPr>
+        <p:spPr>
+          <a:xfrm>
+            <a:off x="838200" y="6215876"/>
+            <a:ext cx="5206425" cy="276999"/>
+          </a:xfrm>
+          <a:prstGeom prst="rect">
+            <a:avLst/>
+          </a:prstGeom>
+          <a:noFill/>
+        </p:spPr>
+        <p:txBody>
+          <a:bodyPr wrap="none" rtlCol="0">
+            <a:spAutoFit/>
+          </a:bodyPr>
+          <a:lstStyle/>
+          <a:p>
+            <a:r>
+              <a:rPr lang="en-US" altLang="zh-TW" sz="1200" dirty="0">
+                <a:solidFill>
+                  <a:srgbClr val="222222"/>
+                </a:solidFill>
+                <a:latin typeface="Arial" panose="020B0604020202020204" pitchFamily="34" charset="0"/>
+                <a:hlinkClick r:id="rId2"/>
+              </a:rPr>
+              <a:t>[1] </a:t>
+            </a:r>
+            <a:r>
+              <a:rPr lang="en-US" altLang="zh-TW" sz="1200" dirty="0" err="1">
+                <a:solidFill>
+                  <a:srgbClr val="222222"/>
+                </a:solidFill>
+                <a:latin typeface="Arial" panose="020B0604020202020204" pitchFamily="34" charset="0"/>
+                <a:hlinkClick r:id="rId2"/>
+              </a:rPr>
+              <a:t>Seyedali</a:t>
+            </a:r>
+            <a:r>
+              <a:rPr lang="en-US" altLang="zh-TW" sz="1200" dirty="0">
+                <a:solidFill>
+                  <a:srgbClr val="222222"/>
+                </a:solidFill>
+                <a:latin typeface="Arial" panose="020B0604020202020204" pitchFamily="34" charset="0"/>
+                <a:hlinkClick r:id="rId2"/>
+              </a:rPr>
+              <a:t> </a:t>
+            </a:r>
+            <a:r>
+              <a:rPr lang="en-US" altLang="zh-TW" sz="1200" dirty="0" err="1">
+                <a:solidFill>
+                  <a:srgbClr val="222222"/>
+                </a:solidFill>
+                <a:latin typeface="Arial" panose="020B0604020202020204" pitchFamily="34" charset="0"/>
+                <a:hlinkClick r:id="rId2"/>
+              </a:rPr>
+              <a:t>Mirjalili</a:t>
+            </a:r>
+            <a:r>
+              <a:rPr lang="en-US" altLang="zh-TW" sz="1200" dirty="0">
+                <a:solidFill>
+                  <a:srgbClr val="222222"/>
+                </a:solidFill>
+                <a:latin typeface="Arial" panose="020B0604020202020204" pitchFamily="34" charset="0"/>
+                <a:hlinkClick r:id="rId2"/>
+              </a:rPr>
+              <a:t>, Multi-objective Optimization Problems and Algorithms</a:t>
+            </a:r>
+            <a:endParaRPr lang="zh-TW" altLang="en-US" sz="1200" dirty="0"/>
+          </a:p>
+        </p:txBody>
+      </p:sp>
+      <p:sp>
+        <p:nvSpPr>
+          <p:cNvPr id="13" name="文字方塊 12">
+            <a:extLst>
+              <a:ext uri="{FF2B5EF4-FFF2-40B4-BE49-F238E27FC236}">
+                <a16:creationId xmlns:a16="http://schemas.microsoft.com/office/drawing/2014/main" id="{9BB8B84D-D1A3-4A7F-865D-171B44206CCA}"/>
+              </a:ext>
+            </a:extLst>
+          </p:cNvPr>
+          <p:cNvSpPr txBox="1"/>
+          <p:nvPr/>
+        </p:nvSpPr>
+        <p:spPr>
+          <a:xfrm>
+            <a:off x="8832304" y="3212976"/>
+            <a:ext cx="3175851" cy="646331"/>
+          </a:xfrm>
+          <a:prstGeom prst="rect">
+            <a:avLst/>
+          </a:prstGeom>
+          <a:noFill/>
+        </p:spPr>
+        <p:txBody>
+          <a:bodyPr wrap="square" rtlCol="0">
+            <a:spAutoFit/>
+          </a:bodyPr>
+          <a:lstStyle/>
+          <a:p>
+            <a:r>
+              <a:rPr lang="en-US" altLang="zh-TW" b="1" dirty="0">
+                <a:solidFill>
+                  <a:srgbClr val="FF0000"/>
+                </a:solidFill>
+                <a:latin typeface="微軟正黑體" panose="020B0604030504040204" pitchFamily="34" charset="-120"/>
+                <a:ea typeface="微軟正黑體" panose="020B0604030504040204" pitchFamily="34" charset="-120"/>
+              </a:rPr>
+              <a:t>[1]</a:t>
+            </a:r>
+            <a:r>
+              <a:rPr lang="zh-TW" altLang="en-US" b="1" dirty="0">
+                <a:solidFill>
+                  <a:srgbClr val="FF0000"/>
+                </a:solidFill>
+                <a:latin typeface="微軟正黑體" panose="020B0604030504040204" pitchFamily="34" charset="-120"/>
+                <a:ea typeface="微軟正黑體" panose="020B0604030504040204" pitchFamily="34" charset="-120"/>
+              </a:rPr>
+              <a:t>第</a:t>
+            </a:r>
+            <a:r>
+              <a:rPr lang="en-US" altLang="zh-TW" b="1" dirty="0">
+                <a:solidFill>
+                  <a:srgbClr val="FF0000"/>
+                </a:solidFill>
+                <a:latin typeface="微軟正黑體" panose="020B0604030504040204" pitchFamily="34" charset="-120"/>
+                <a:ea typeface="微軟正黑體" panose="020B0604030504040204" pitchFamily="34" charset="-120"/>
+              </a:rPr>
+              <a:t>17</a:t>
+            </a:r>
+            <a:r>
+              <a:rPr lang="zh-TW" altLang="en-US" b="1" dirty="0">
+                <a:solidFill>
+                  <a:srgbClr val="FF0000"/>
+                </a:solidFill>
+                <a:latin typeface="微軟正黑體" panose="020B0604030504040204" pitchFamily="34" charset="-120"/>
+                <a:ea typeface="微軟正黑體" panose="020B0604030504040204" pitchFamily="34" charset="-120"/>
+              </a:rPr>
+              <a:t>堂課的代碼流程圖，不確定講師是參考哪篇</a:t>
+            </a:r>
+            <a:r>
+              <a:rPr lang="en-US" altLang="zh-TW" b="1" dirty="0">
+                <a:solidFill>
+                  <a:srgbClr val="FF0000"/>
+                </a:solidFill>
+                <a:latin typeface="微軟正黑體" panose="020B0604030504040204" pitchFamily="34" charset="-120"/>
+                <a:ea typeface="微軟正黑體" panose="020B0604030504040204" pitchFamily="34" charset="-120"/>
+              </a:rPr>
+              <a:t>paper</a:t>
+            </a:r>
+            <a:endParaRPr lang="zh-TW" altLang="en-US" dirty="0">
+              <a:latin typeface="微軟正黑體" panose="020B0604030504040204" pitchFamily="34" charset="-120"/>
+              <a:ea typeface="微軟正黑體" panose="020B0604030504040204" pitchFamily="34" charset="-120"/>
+            </a:endParaRPr>
+          </a:p>
+        </p:txBody>
+      </p:sp>
       <p:pic>
         <p:nvPicPr>
-          <p:cNvPr id="11" name="內容版面配置區 10">
-            <a:extLst>
-              <a:ext uri="{FF2B5EF4-FFF2-40B4-BE49-F238E27FC236}">
-                <a16:creationId xmlns:a16="http://schemas.microsoft.com/office/drawing/2014/main" id="{32BF1384-5E6A-4A8B-803C-E7EF965B22BB}"/>
+          <p:cNvPr id="6" name="內容版面配置區 5">
+            <a:extLst>
+              <a:ext uri="{FF2B5EF4-FFF2-40B4-BE49-F238E27FC236}">
+                <a16:creationId xmlns:a16="http://schemas.microsoft.com/office/drawing/2014/main" id="{BDBBF44C-CBEF-4016-B69B-772365D571A6}"/>
               </a:ext>
             </a:extLst>
           </p:cNvPr>
@@ -7617,7 +7784,7 @@
           </p:nvPr>
         </p:nvPicPr>
         <p:blipFill>
-          <a:blip r:embed="rId2">
+          <a:blip r:embed="rId3">
             <a:extLst>
               <a:ext uri="{28A0092B-C50C-407E-A947-70E740481C1C}">
                 <a14:useLocalDpi xmlns:a14="http://schemas.microsoft.com/office/drawing/2010/main" val="0"/>
@@ -7635,173 +7802,6 @@
           </a:xfrm>
         </p:spPr>
       </p:pic>
-      <p:sp>
-        <p:nvSpPr>
-          <p:cNvPr id="12" name="文字方塊 11">
-            <a:extLst>
-              <a:ext uri="{FF2B5EF4-FFF2-40B4-BE49-F238E27FC236}">
-                <a16:creationId xmlns:a16="http://schemas.microsoft.com/office/drawing/2014/main" id="{4852DF88-DAE8-4684-8F4E-FEDD2FD289FB}"/>
-              </a:ext>
-            </a:extLst>
-          </p:cNvPr>
-          <p:cNvSpPr txBox="1"/>
-          <p:nvPr/>
-        </p:nvSpPr>
-        <p:spPr>
-          <a:xfrm>
-            <a:off x="838200" y="6215876"/>
-            <a:ext cx="5206425" cy="276999"/>
-          </a:xfrm>
-          <a:prstGeom prst="rect">
-            <a:avLst/>
-          </a:prstGeom>
-          <a:noFill/>
-        </p:spPr>
-        <p:txBody>
-          <a:bodyPr wrap="none" rtlCol="0">
-            <a:spAutoFit/>
-          </a:bodyPr>
-          <a:lstStyle/>
-          <a:p>
-            <a:r>
-              <a:rPr lang="en-US" altLang="zh-TW" sz="1200" dirty="0">
-                <a:solidFill>
-                  <a:srgbClr val="222222"/>
-                </a:solidFill>
-                <a:latin typeface="Arial" panose="020B0604020202020204" pitchFamily="34" charset="0"/>
-                <a:hlinkClick r:id="rId3"/>
-              </a:rPr>
-              <a:t>[1] </a:t>
-            </a:r>
-            <a:r>
-              <a:rPr lang="en-US" altLang="zh-TW" sz="1200" dirty="0" err="1">
-                <a:solidFill>
-                  <a:srgbClr val="222222"/>
-                </a:solidFill>
-                <a:latin typeface="Arial" panose="020B0604020202020204" pitchFamily="34" charset="0"/>
-                <a:hlinkClick r:id="rId3"/>
-              </a:rPr>
-              <a:t>Seyedali</a:t>
-            </a:r>
-            <a:r>
-              <a:rPr lang="en-US" altLang="zh-TW" sz="1200" dirty="0">
-                <a:solidFill>
-                  <a:srgbClr val="222222"/>
-                </a:solidFill>
-                <a:latin typeface="Arial" panose="020B0604020202020204" pitchFamily="34" charset="0"/>
-                <a:hlinkClick r:id="rId3"/>
-              </a:rPr>
-              <a:t> </a:t>
-            </a:r>
-            <a:r>
-              <a:rPr lang="en-US" altLang="zh-TW" sz="1200" dirty="0" err="1">
-                <a:solidFill>
-                  <a:srgbClr val="222222"/>
-                </a:solidFill>
-                <a:latin typeface="Arial" panose="020B0604020202020204" pitchFamily="34" charset="0"/>
-                <a:hlinkClick r:id="rId3"/>
-              </a:rPr>
-              <a:t>Mirjalili</a:t>
-            </a:r>
-            <a:r>
-              <a:rPr lang="en-US" altLang="zh-TW" sz="1200" dirty="0">
-                <a:solidFill>
-                  <a:srgbClr val="222222"/>
-                </a:solidFill>
-                <a:latin typeface="Arial" panose="020B0604020202020204" pitchFamily="34" charset="0"/>
-                <a:hlinkClick r:id="rId3"/>
-              </a:rPr>
-              <a:t>, Multi-objective Optimization Problems and Algorithms</a:t>
-            </a:r>
-            <a:endParaRPr lang="zh-TW" altLang="en-US" sz="1200" dirty="0"/>
-          </a:p>
-        </p:txBody>
-      </p:sp>
-      <p:sp>
-        <p:nvSpPr>
-          <p:cNvPr id="13" name="文字方塊 12">
-            <a:extLst>
-              <a:ext uri="{FF2B5EF4-FFF2-40B4-BE49-F238E27FC236}">
-                <a16:creationId xmlns:a16="http://schemas.microsoft.com/office/drawing/2014/main" id="{9BB8B84D-D1A3-4A7F-865D-171B44206CCA}"/>
-              </a:ext>
-            </a:extLst>
-          </p:cNvPr>
-          <p:cNvSpPr txBox="1"/>
-          <p:nvPr/>
-        </p:nvSpPr>
-        <p:spPr>
-          <a:xfrm>
-            <a:off x="8832304" y="3212976"/>
-            <a:ext cx="3175851" cy="646331"/>
-          </a:xfrm>
-          <a:prstGeom prst="rect">
-            <a:avLst/>
-          </a:prstGeom>
-          <a:noFill/>
-        </p:spPr>
-        <p:txBody>
-          <a:bodyPr wrap="square" rtlCol="0">
-            <a:spAutoFit/>
-          </a:bodyPr>
-          <a:lstStyle/>
-          <a:p>
-            <a:r>
-              <a:rPr lang="en-US" altLang="zh-TW" b="1" dirty="0">
-                <a:solidFill>
-                  <a:srgbClr val="FF0000"/>
-                </a:solidFill>
-                <a:latin typeface="微軟正黑體" panose="020B0604030504040204" pitchFamily="34" charset="-120"/>
-                <a:ea typeface="微軟正黑體" panose="020B0604030504040204" pitchFamily="34" charset="-120"/>
-              </a:rPr>
-              <a:t>[1]</a:t>
-            </a:r>
-            <a:r>
-              <a:rPr lang="zh-TW" altLang="en-US" b="1" dirty="0">
-                <a:solidFill>
-                  <a:srgbClr val="FF0000"/>
-                </a:solidFill>
-                <a:latin typeface="微軟正黑體" panose="020B0604030504040204" pitchFamily="34" charset="-120"/>
-                <a:ea typeface="微軟正黑體" panose="020B0604030504040204" pitchFamily="34" charset="-120"/>
-              </a:rPr>
-              <a:t>第</a:t>
-            </a:r>
-            <a:r>
-              <a:rPr lang="en-US" altLang="zh-TW" b="1" dirty="0">
-                <a:solidFill>
-                  <a:srgbClr val="FF0000"/>
-                </a:solidFill>
-                <a:latin typeface="微軟正黑體" panose="020B0604030504040204" pitchFamily="34" charset="-120"/>
-                <a:ea typeface="微軟正黑體" panose="020B0604030504040204" pitchFamily="34" charset="-120"/>
-              </a:rPr>
-              <a:t>17</a:t>
-            </a:r>
-            <a:r>
-              <a:rPr lang="zh-TW" altLang="en-US" b="1" dirty="0">
-                <a:solidFill>
-                  <a:srgbClr val="FF0000"/>
-                </a:solidFill>
-                <a:latin typeface="微軟正黑體" panose="020B0604030504040204" pitchFamily="34" charset="-120"/>
-                <a:ea typeface="微軟正黑體" panose="020B0604030504040204" pitchFamily="34" charset="-120"/>
-              </a:rPr>
-              <a:t>堂課的代碼流程圖，不確定講師是參考哪篇</a:t>
-            </a:r>
-            <a:r>
-              <a:rPr lang="en-US" altLang="zh-TW" b="1" dirty="0">
-                <a:solidFill>
-                  <a:srgbClr val="FF0000"/>
-                </a:solidFill>
-                <a:latin typeface="微軟正黑體" panose="020B0604030504040204" pitchFamily="34" charset="-120"/>
-                <a:ea typeface="微軟正黑體" panose="020B0604030504040204" pitchFamily="34" charset="-120"/>
-              </a:rPr>
-              <a:t>paper</a:t>
-            </a:r>
-            <a:endParaRPr lang="zh-TW" altLang="en-US" dirty="0">
-              <a:latin typeface="微軟正黑體" panose="020B0604030504040204" pitchFamily="34" charset="-120"/>
-              <a:ea typeface="微軟正黑體" panose="020B0604030504040204" pitchFamily="34" charset="-120"/>
-            </a:endParaRPr>
-          </a:p>
-        </p:txBody>
-      </p:sp>
     </p:spTree>
     <p:extLst>
       <p:ext uri="{BB962C8B-B14F-4D97-AF65-F5344CB8AC3E}">

--- a/多目標最佳化.pptx
+++ b/多目標最佳化.pptx
@@ -12,8 +12,10 @@
     <p:sldId id="260" r:id="rId6"/>
     <p:sldId id="261" r:id="rId7"/>
     <p:sldId id="262" r:id="rId8"/>
-    <p:sldId id="263" r:id="rId9"/>
-    <p:sldId id="264" r:id="rId10"/>
+    <p:sldId id="265" r:id="rId9"/>
+    <p:sldId id="266" r:id="rId10"/>
+    <p:sldId id="263" r:id="rId11"/>
+    <p:sldId id="264" r:id="rId12"/>
   </p:sldIdLst>
   <p:sldSz cx="12192000" cy="6858000"/>
   <p:notesSz cx="6858000" cy="9144000"/>
@@ -281,7 +283,7 @@
             <a:fld id="{2C8BD75E-4303-4B17-80B9-1898F62B0618}" type="datetimeFigureOut">
               <a:rPr lang="zh-TW" altLang="en-US" smtClean="0"/>
               <a:pPr/>
-              <a:t>2021/8/22</a:t>
+              <a:t>2021/8/23</a:t>
             </a:fld>
             <a:endParaRPr lang="zh-TW" altLang="en-US"/>
           </a:p>
@@ -494,7 +496,7 @@
           <a:p>
             <a:fld id="{2C8BD75E-4303-4B17-80B9-1898F62B0618}" type="datetimeFigureOut">
               <a:rPr lang="zh-TW" altLang="en-US" smtClean="0"/>
-              <a:t>2021/8/22</a:t>
+              <a:t>2021/8/23</a:t>
             </a:fld>
             <a:endParaRPr lang="zh-TW" altLang="en-US"/>
           </a:p>
@@ -702,7 +704,7 @@
           <a:p>
             <a:fld id="{2C8BD75E-4303-4B17-80B9-1898F62B0618}" type="datetimeFigureOut">
               <a:rPr lang="zh-TW" altLang="en-US" smtClean="0"/>
-              <a:t>2021/8/22</a:t>
+              <a:t>2021/8/23</a:t>
             </a:fld>
             <a:endParaRPr lang="zh-TW" altLang="en-US"/>
           </a:p>
@@ -946,7 +948,7 @@
             <a:fld id="{2C8BD75E-4303-4B17-80B9-1898F62B0618}" type="datetimeFigureOut">
               <a:rPr lang="zh-TW" altLang="en-US" smtClean="0"/>
               <a:pPr/>
-              <a:t>2021/8/22</a:t>
+              <a:t>2021/8/23</a:t>
             </a:fld>
             <a:endParaRPr lang="zh-TW" altLang="en-US"/>
           </a:p>
@@ -1236,7 +1238,7 @@
           <a:p>
             <a:fld id="{2C8BD75E-4303-4B17-80B9-1898F62B0618}" type="datetimeFigureOut">
               <a:rPr lang="zh-TW" altLang="en-US" smtClean="0"/>
-              <a:t>2021/8/22</a:t>
+              <a:t>2021/8/23</a:t>
             </a:fld>
             <a:endParaRPr lang="zh-TW" altLang="en-US"/>
           </a:p>
@@ -1501,7 +1503,7 @@
           <a:p>
             <a:fld id="{2C8BD75E-4303-4B17-80B9-1898F62B0618}" type="datetimeFigureOut">
               <a:rPr lang="zh-TW" altLang="en-US" smtClean="0"/>
-              <a:t>2021/8/22</a:t>
+              <a:t>2021/8/23</a:t>
             </a:fld>
             <a:endParaRPr lang="zh-TW" altLang="en-US"/>
           </a:p>
@@ -1913,7 +1915,7 @@
           <a:p>
             <a:fld id="{2C8BD75E-4303-4B17-80B9-1898F62B0618}" type="datetimeFigureOut">
               <a:rPr lang="zh-TW" altLang="en-US" smtClean="0"/>
-              <a:t>2021/8/22</a:t>
+              <a:t>2021/8/23</a:t>
             </a:fld>
             <a:endParaRPr lang="zh-TW" altLang="en-US"/>
           </a:p>
@@ -2054,7 +2056,7 @@
           <a:p>
             <a:fld id="{2C8BD75E-4303-4B17-80B9-1898F62B0618}" type="datetimeFigureOut">
               <a:rPr lang="zh-TW" altLang="en-US" smtClean="0"/>
-              <a:t>2021/8/22</a:t>
+              <a:t>2021/8/23</a:t>
             </a:fld>
             <a:endParaRPr lang="zh-TW" altLang="en-US"/>
           </a:p>
@@ -2167,7 +2169,7 @@
           <a:p>
             <a:fld id="{2C8BD75E-4303-4B17-80B9-1898F62B0618}" type="datetimeFigureOut">
               <a:rPr lang="zh-TW" altLang="en-US" smtClean="0"/>
-              <a:t>2021/8/22</a:t>
+              <a:t>2021/8/23</a:t>
             </a:fld>
             <a:endParaRPr lang="zh-TW" altLang="en-US"/>
           </a:p>
@@ -2478,7 +2480,7 @@
           <a:p>
             <a:fld id="{2C8BD75E-4303-4B17-80B9-1898F62B0618}" type="datetimeFigureOut">
               <a:rPr lang="zh-TW" altLang="en-US" smtClean="0"/>
-              <a:t>2021/8/22</a:t>
+              <a:t>2021/8/23</a:t>
             </a:fld>
             <a:endParaRPr lang="zh-TW" altLang="en-US"/>
           </a:p>
@@ -2766,7 +2768,7 @@
           <a:p>
             <a:fld id="{2C8BD75E-4303-4B17-80B9-1898F62B0618}" type="datetimeFigureOut">
               <a:rPr lang="zh-TW" altLang="en-US" smtClean="0"/>
-              <a:t>2021/8/22</a:t>
+              <a:t>2021/8/23</a:t>
             </a:fld>
             <a:endParaRPr lang="zh-TW" altLang="en-US"/>
           </a:p>
@@ -3010,7 +3012,7 @@
             <a:fld id="{2C8BD75E-4303-4B17-80B9-1898F62B0618}" type="datetimeFigureOut">
               <a:rPr lang="zh-TW" altLang="en-US" smtClean="0"/>
               <a:pPr/>
-              <a:t>2021/8/22</a:t>
+              <a:t>2021/8/23</a:t>
             </a:fld>
             <a:endParaRPr lang="zh-TW" altLang="en-US"/>
           </a:p>
@@ -3508,6 +3510,998 @@
 </p:sld>
 </file>
 
+<file path=ppt/slides/slide10.xml><?xml version="1.0" encoding="utf-8"?>
+<p:sld xmlns:a="http://schemas.openxmlformats.org/drawingml/2006/main" xmlns:r="http://schemas.openxmlformats.org/officeDocument/2006/relationships" xmlns:p="http://schemas.openxmlformats.org/presentationml/2006/main">
+  <p:cSld>
+    <p:spTree>
+      <p:nvGrpSpPr>
+        <p:cNvPr id="1" name=""/>
+        <p:cNvGrpSpPr/>
+        <p:nvPr/>
+      </p:nvGrpSpPr>
+      <p:grpSpPr>
+        <a:xfrm>
+          <a:off x="0" y="0"/>
+          <a:ext cx="0" cy="0"/>
+          <a:chOff x="0" y="0"/>
+          <a:chExt cx="0" cy="0"/>
+        </a:xfrm>
+      </p:grpSpPr>
+      <p:sp>
+        <p:nvSpPr>
+          <p:cNvPr id="2" name="標題 1">
+            <a:extLst>
+              <a:ext uri="{FF2B5EF4-FFF2-40B4-BE49-F238E27FC236}">
+                <a16:creationId xmlns:a16="http://schemas.microsoft.com/office/drawing/2014/main" id="{1935C347-C0E2-4ABE-AB8B-C442D1379588}"/>
+              </a:ext>
+            </a:extLst>
+          </p:cNvPr>
+          <p:cNvSpPr>
+            <a:spLocks noGrp="1"/>
+          </p:cNvSpPr>
+          <p:nvPr>
+            <p:ph type="title"/>
+          </p:nvPr>
+        </p:nvSpPr>
+        <p:spPr/>
+        <p:txBody>
+          <a:bodyPr/>
+          <a:lstStyle/>
+          <a:p>
+            <a:r>
+              <a:rPr lang="zh-TW" altLang="en-US" dirty="0"/>
+              <a:t>總結</a:t>
+            </a:r>
+            <a:endParaRPr lang="en-US" altLang="zh-TW" dirty="0"/>
+          </a:p>
+        </p:txBody>
+      </p:sp>
+      <p:graphicFrame>
+        <p:nvGraphicFramePr>
+          <p:cNvPr id="3" name="表格 4">
+            <a:extLst>
+              <a:ext uri="{FF2B5EF4-FFF2-40B4-BE49-F238E27FC236}">
+                <a16:creationId xmlns:a16="http://schemas.microsoft.com/office/drawing/2014/main" id="{B313E761-735B-44AF-A153-E49C9CD071A4}"/>
+              </a:ext>
+            </a:extLst>
+          </p:cNvPr>
+          <p:cNvGraphicFramePr>
+            <a:graphicFrameLocks noGrp="1"/>
+          </p:cNvGraphicFramePr>
+          <p:nvPr>
+            <p:ph idx="1"/>
+            <p:extLst>
+              <p:ext uri="{D42A27DB-BD31-4B8C-83A1-F6EECF244321}">
+                <p14:modId xmlns:p14="http://schemas.microsoft.com/office/powerpoint/2010/main" val="3314511733"/>
+              </p:ext>
+            </p:extLst>
+          </p:nvPr>
+        </p:nvGraphicFramePr>
+        <p:xfrm>
+          <a:off x="838200" y="1825625"/>
+          <a:ext cx="10515600" cy="3479800"/>
+        </p:xfrm>
+        <a:graphic>
+          <a:graphicData uri="http://schemas.openxmlformats.org/drawingml/2006/table">
+            <a:tbl>
+              <a:tblPr firstRow="1" bandRow="1">
+                <a:tableStyleId>{5C22544A-7EE6-4342-B048-85BDC9FD1C3A}</a:tableStyleId>
+              </a:tblPr>
+              <a:tblGrid>
+                <a:gridCol w="2628900">
+                  <a:extLst>
+                    <a:ext uri="{9D8B030D-6E8A-4147-A177-3AD203B41FA5}">
+                      <a16:colId xmlns:a16="http://schemas.microsoft.com/office/drawing/2014/main" val="3844138112"/>
+                    </a:ext>
+                  </a:extLst>
+                </a:gridCol>
+                <a:gridCol w="2628900">
+                  <a:extLst>
+                    <a:ext uri="{9D8B030D-6E8A-4147-A177-3AD203B41FA5}">
+                      <a16:colId xmlns:a16="http://schemas.microsoft.com/office/drawing/2014/main" val="3574819129"/>
+                    </a:ext>
+                  </a:extLst>
+                </a:gridCol>
+                <a:gridCol w="2628900">
+                  <a:extLst>
+                    <a:ext uri="{9D8B030D-6E8A-4147-A177-3AD203B41FA5}">
+                      <a16:colId xmlns:a16="http://schemas.microsoft.com/office/drawing/2014/main" val="2009088659"/>
+                    </a:ext>
+                  </a:extLst>
+                </a:gridCol>
+                <a:gridCol w="2628900">
+                  <a:extLst>
+                    <a:ext uri="{9D8B030D-6E8A-4147-A177-3AD203B41FA5}">
+                      <a16:colId xmlns:a16="http://schemas.microsoft.com/office/drawing/2014/main" val="1262094424"/>
+                    </a:ext>
+                  </a:extLst>
+                </a:gridCol>
+              </a:tblGrid>
+              <a:tr h="370840">
+                <a:tc>
+                  <a:txBody>
+                    <a:bodyPr/>
+                    <a:lstStyle/>
+                    <a:p>
+                      <a:pPr algn="l"/>
+                      <a:r>
+                        <a:rPr lang="zh-TW" altLang="en-US" dirty="0">
+                          <a:latin typeface="微軟正黑體" panose="020B0604030504040204" pitchFamily="34" charset="-120"/>
+                          <a:ea typeface="微軟正黑體" panose="020B0604030504040204" pitchFamily="34" charset="-120"/>
+                        </a:rPr>
+                        <a:t>方法</a:t>
+                      </a:r>
+                    </a:p>
+                  </a:txBody>
+                  <a:tcPr anchor="ctr"/>
+                </a:tc>
+                <a:tc>
+                  <a:txBody>
+                    <a:bodyPr/>
+                    <a:lstStyle/>
+                    <a:p>
+                      <a:pPr marL="0" marR="0" lvl="0" indent="0" algn="l" defTabSz="914400" rtl="0" eaLnBrk="1" fontAlgn="auto" latinLnBrk="0" hangingPunct="1">
+                        <a:lnSpc>
+                          <a:spcPct val="100000"/>
+                        </a:lnSpc>
+                        <a:spcBef>
+                          <a:spcPts val="0"/>
+                        </a:spcBef>
+                        <a:spcAft>
+                          <a:spcPts val="0"/>
+                        </a:spcAft>
+                        <a:buClrTx/>
+                        <a:buSzTx/>
+                        <a:buFontTx/>
+                        <a:buNone/>
+                        <a:tabLst/>
+                        <a:defRPr/>
+                      </a:pPr>
+                      <a:r>
+                        <a:rPr lang="en-US" altLang="zh-TW" dirty="0">
+                          <a:latin typeface="微軟正黑體" panose="020B0604030504040204" pitchFamily="34" charset="-120"/>
+                          <a:ea typeface="微軟正黑體" panose="020B0604030504040204" pitchFamily="34" charset="-120"/>
+                        </a:rPr>
+                        <a:t>No Preference methods</a:t>
+                      </a:r>
+                      <a:endParaRPr lang="zh-TW" altLang="en-US" dirty="0">
+                        <a:latin typeface="微軟正黑體" panose="020B0604030504040204" pitchFamily="34" charset="-120"/>
+                        <a:ea typeface="微軟正黑體" panose="020B0604030504040204" pitchFamily="34" charset="-120"/>
+                      </a:endParaRPr>
+                    </a:p>
+                  </a:txBody>
+                  <a:tcPr anchor="ctr"/>
+                </a:tc>
+                <a:tc>
+                  <a:txBody>
+                    <a:bodyPr/>
+                    <a:lstStyle/>
+                    <a:p>
+                      <a:pPr marL="0" marR="0" lvl="0" indent="0" algn="l" defTabSz="914400" rtl="0" eaLnBrk="1" fontAlgn="auto" latinLnBrk="0" hangingPunct="1">
+                        <a:lnSpc>
+                          <a:spcPct val="100000"/>
+                        </a:lnSpc>
+                        <a:spcBef>
+                          <a:spcPts val="0"/>
+                        </a:spcBef>
+                        <a:spcAft>
+                          <a:spcPts val="0"/>
+                        </a:spcAft>
+                        <a:buClrTx/>
+                        <a:buSzTx/>
+                        <a:buFontTx/>
+                        <a:buNone/>
+                        <a:tabLst/>
+                        <a:defRPr/>
+                      </a:pPr>
+                      <a:r>
+                        <a:rPr lang="en-US" altLang="zh-TW" dirty="0">
+                          <a:latin typeface="微軟正黑體" panose="020B0604030504040204" pitchFamily="34" charset="-120"/>
+                          <a:ea typeface="微軟正黑體" panose="020B0604030504040204" pitchFamily="34" charset="-120"/>
+                        </a:rPr>
+                        <a:t>Posteriori methods</a:t>
+                      </a:r>
+                      <a:endParaRPr lang="zh-TW" altLang="en-US" dirty="0">
+                        <a:latin typeface="微軟正黑體" panose="020B0604030504040204" pitchFamily="34" charset="-120"/>
+                        <a:ea typeface="微軟正黑體" panose="020B0604030504040204" pitchFamily="34" charset="-120"/>
+                      </a:endParaRPr>
+                    </a:p>
+                  </a:txBody>
+                  <a:tcPr anchor="ctr"/>
+                </a:tc>
+                <a:tc>
+                  <a:txBody>
+                    <a:bodyPr/>
+                    <a:lstStyle/>
+                    <a:p>
+                      <a:pPr marL="0" marR="0" lvl="0" indent="0" algn="l" defTabSz="914400" rtl="0" eaLnBrk="1" fontAlgn="auto" latinLnBrk="0" hangingPunct="1">
+                        <a:lnSpc>
+                          <a:spcPct val="100000"/>
+                        </a:lnSpc>
+                        <a:spcBef>
+                          <a:spcPts val="0"/>
+                        </a:spcBef>
+                        <a:spcAft>
+                          <a:spcPts val="0"/>
+                        </a:spcAft>
+                        <a:buClrTx/>
+                        <a:buSzTx/>
+                        <a:buFontTx/>
+                        <a:buNone/>
+                        <a:tabLst/>
+                        <a:defRPr/>
+                      </a:pPr>
+                      <a:r>
+                        <a:rPr lang="en-US" altLang="zh-TW" dirty="0">
+                          <a:latin typeface="微軟正黑體" panose="020B0604030504040204" pitchFamily="34" charset="-120"/>
+                          <a:ea typeface="微軟正黑體" panose="020B0604030504040204" pitchFamily="34" charset="-120"/>
+                        </a:rPr>
+                        <a:t>A priori methods</a:t>
+                      </a:r>
+                      <a:endParaRPr lang="zh-TW" altLang="en-US" dirty="0">
+                        <a:latin typeface="微軟正黑體" panose="020B0604030504040204" pitchFamily="34" charset="-120"/>
+                        <a:ea typeface="微軟正黑體" panose="020B0604030504040204" pitchFamily="34" charset="-120"/>
+                      </a:endParaRPr>
+                    </a:p>
+                  </a:txBody>
+                  <a:tcPr anchor="ctr"/>
+                </a:tc>
+                <a:extLst>
+                  <a:ext uri="{0D108BD9-81ED-4DB2-BD59-A6C34878D82A}">
+                    <a16:rowId xmlns:a16="http://schemas.microsoft.com/office/drawing/2014/main" val="137758822"/>
+                  </a:ext>
+                </a:extLst>
+              </a:tr>
+              <a:tr h="370840">
+                <a:tc>
+                  <a:txBody>
+                    <a:bodyPr/>
+                    <a:lstStyle/>
+                    <a:p>
+                      <a:pPr algn="l"/>
+                      <a:r>
+                        <a:rPr lang="zh-TW" altLang="en-US" dirty="0">
+                          <a:latin typeface="微軟正黑體" panose="020B0604030504040204" pitchFamily="34" charset="-120"/>
+                          <a:ea typeface="微軟正黑體" panose="020B0604030504040204" pitchFamily="34" charset="-120"/>
+                        </a:rPr>
+                        <a:t>簡述</a:t>
+                      </a:r>
+                    </a:p>
+                  </a:txBody>
+                  <a:tcPr anchor="ctr"/>
+                </a:tc>
+                <a:tc>
+                  <a:txBody>
+                    <a:bodyPr/>
+                    <a:lstStyle/>
+                    <a:p>
+                      <a:pPr algn="l"/>
+                      <a:r>
+                        <a:rPr lang="zh-TW" altLang="en-US" dirty="0">
+                          <a:latin typeface="微軟正黑體" panose="020B0604030504040204" pitchFamily="34" charset="-120"/>
+                          <a:ea typeface="微軟正黑體" panose="020B0604030504040204" pitchFamily="34" charset="-120"/>
+                        </a:rPr>
+                        <a:t>利用歐式距離將多目標問題</a:t>
+                      </a:r>
+                      <a:r>
+                        <a:rPr lang="en-US" altLang="zh-TW" dirty="0">
+                          <a:latin typeface="微軟正黑體" panose="020B0604030504040204" pitchFamily="34" charset="-120"/>
+                          <a:ea typeface="微軟正黑體" panose="020B0604030504040204" pitchFamily="34" charset="-120"/>
+                        </a:rPr>
+                        <a:t>-&gt;</a:t>
+                      </a:r>
+                      <a:r>
+                        <a:rPr lang="zh-TW" altLang="en-US" dirty="0">
+                          <a:latin typeface="微軟正黑體" panose="020B0604030504040204" pitchFamily="34" charset="-120"/>
+                          <a:ea typeface="微軟正黑體" panose="020B0604030504040204" pitchFamily="34" charset="-120"/>
+                        </a:rPr>
+                        <a:t>單目標問題</a:t>
+                      </a:r>
+                    </a:p>
+                  </a:txBody>
+                  <a:tcPr anchor="ctr"/>
+                </a:tc>
+                <a:tc>
+                  <a:txBody>
+                    <a:bodyPr/>
+                    <a:lstStyle/>
+                    <a:p>
+                      <a:pPr algn="l"/>
+                      <a:r>
+                        <a:rPr lang="zh-TW" altLang="en-US" dirty="0">
+                          <a:latin typeface="微軟正黑體" panose="020B0604030504040204" pitchFamily="34" charset="-120"/>
+                          <a:ea typeface="微軟正黑體" panose="020B0604030504040204" pitchFamily="34" charset="-120"/>
+                        </a:rPr>
+                        <a:t>直接為每一目標配上權重，將多目標問題</a:t>
+                      </a:r>
+                      <a:r>
+                        <a:rPr lang="en-US" altLang="zh-TW" dirty="0">
+                          <a:latin typeface="微軟正黑體" panose="020B0604030504040204" pitchFamily="34" charset="-120"/>
+                          <a:ea typeface="微軟正黑體" panose="020B0604030504040204" pitchFamily="34" charset="-120"/>
+                        </a:rPr>
+                        <a:t>-&gt;</a:t>
+                      </a:r>
+                      <a:r>
+                        <a:rPr lang="zh-TW" altLang="en-US" dirty="0">
+                          <a:latin typeface="微軟正黑體" panose="020B0604030504040204" pitchFamily="34" charset="-120"/>
+                          <a:ea typeface="微軟正黑體" panose="020B0604030504040204" pitchFamily="34" charset="-120"/>
+                        </a:rPr>
+                        <a:t>單目標問題</a:t>
+                      </a:r>
+                    </a:p>
+                  </a:txBody>
+                  <a:tcPr anchor="ctr"/>
+                </a:tc>
+                <a:tc>
+                  <a:txBody>
+                    <a:bodyPr/>
+                    <a:lstStyle/>
+                    <a:p>
+                      <a:pPr algn="l"/>
+                      <a:r>
+                        <a:rPr lang="zh-TW" altLang="en-US" dirty="0">
+                          <a:latin typeface="微軟正黑體" panose="020B0604030504040204" pitchFamily="34" charset="-120"/>
+                          <a:ea typeface="微軟正黑體" panose="020B0604030504040204" pitchFamily="34" charset="-120"/>
+                        </a:rPr>
+                        <a:t>給你多個最佳解，這些最佳解彼此各有優勢</a:t>
+                      </a:r>
+                    </a:p>
+                  </a:txBody>
+                  <a:tcPr anchor="ctr"/>
+                </a:tc>
+                <a:extLst>
+                  <a:ext uri="{0D108BD9-81ED-4DB2-BD59-A6C34878D82A}">
+                    <a16:rowId xmlns:a16="http://schemas.microsoft.com/office/drawing/2014/main" val="4108512906"/>
+                  </a:ext>
+                </a:extLst>
+              </a:tr>
+              <a:tr h="370840">
+                <a:tc>
+                  <a:txBody>
+                    <a:bodyPr/>
+                    <a:lstStyle/>
+                    <a:p>
+                      <a:pPr algn="l"/>
+                      <a:r>
+                        <a:rPr lang="zh-TW" altLang="en-US" dirty="0">
+                          <a:latin typeface="微軟正黑體" panose="020B0604030504040204" pitchFamily="34" charset="-120"/>
+                          <a:ea typeface="微軟正黑體" panose="020B0604030504040204" pitchFamily="34" charset="-120"/>
+                        </a:rPr>
+                        <a:t>優點</a:t>
+                      </a:r>
+                    </a:p>
+                  </a:txBody>
+                  <a:tcPr anchor="ctr"/>
+                </a:tc>
+                <a:tc>
+                  <a:txBody>
+                    <a:bodyPr/>
+                    <a:lstStyle/>
+                    <a:p>
+                      <a:pPr algn="l"/>
+                      <a:r>
+                        <a:rPr lang="zh-TW" altLang="en-US" dirty="0">
+                          <a:latin typeface="微軟正黑體" panose="020B0604030504040204" pitchFamily="34" charset="-120"/>
+                          <a:ea typeface="微軟正黑體" panose="020B0604030504040204" pitchFamily="34" charset="-120"/>
+                        </a:rPr>
+                        <a:t>直觀</a:t>
+                      </a:r>
+                      <a:endParaRPr lang="en-US" altLang="zh-TW" dirty="0">
+                        <a:latin typeface="微軟正黑體" panose="020B0604030504040204" pitchFamily="34" charset="-120"/>
+                        <a:ea typeface="微軟正黑體" panose="020B0604030504040204" pitchFamily="34" charset="-120"/>
+                      </a:endParaRPr>
+                    </a:p>
+                  </a:txBody>
+                  <a:tcPr anchor="ctr"/>
+                </a:tc>
+                <a:tc>
+                  <a:txBody>
+                    <a:bodyPr/>
+                    <a:lstStyle/>
+                    <a:p>
+                      <a:pPr marL="0" marR="0" lvl="0" indent="0" algn="l" defTabSz="914400" rtl="0" eaLnBrk="1" fontAlgn="auto" latinLnBrk="0" hangingPunct="1">
+                        <a:lnSpc>
+                          <a:spcPct val="100000"/>
+                        </a:lnSpc>
+                        <a:spcBef>
+                          <a:spcPts val="0"/>
+                        </a:spcBef>
+                        <a:spcAft>
+                          <a:spcPts val="0"/>
+                        </a:spcAft>
+                        <a:buClrTx/>
+                        <a:buSzTx/>
+                        <a:buFontTx/>
+                        <a:buNone/>
+                        <a:tabLst/>
+                        <a:defRPr/>
+                      </a:pPr>
+                      <a:r>
+                        <a:rPr lang="zh-TW" altLang="en-US" dirty="0">
+                          <a:latin typeface="微軟正黑體" panose="020B0604030504040204" pitchFamily="34" charset="-120"/>
+                          <a:ea typeface="微軟正黑體" panose="020B0604030504040204" pitchFamily="34" charset="-120"/>
+                        </a:rPr>
+                        <a:t>直觀</a:t>
+                      </a:r>
+                    </a:p>
+                  </a:txBody>
+                  <a:tcPr anchor="ctr"/>
+                </a:tc>
+                <a:tc>
+                  <a:txBody>
+                    <a:bodyPr/>
+                    <a:lstStyle/>
+                    <a:p>
+                      <a:pPr algn="l"/>
+                      <a:r>
+                        <a:rPr lang="zh-TW" altLang="en-US" dirty="0">
+                          <a:latin typeface="微軟正黑體" panose="020B0604030504040204" pitchFamily="34" charset="-120"/>
+                          <a:ea typeface="微軟正黑體" panose="020B0604030504040204" pitchFamily="34" charset="-120"/>
+                        </a:rPr>
+                        <a:t>屌炸天</a:t>
+                      </a:r>
+                    </a:p>
+                  </a:txBody>
+                  <a:tcPr anchor="ctr"/>
+                </a:tc>
+                <a:extLst>
+                  <a:ext uri="{0D108BD9-81ED-4DB2-BD59-A6C34878D82A}">
+                    <a16:rowId xmlns:a16="http://schemas.microsoft.com/office/drawing/2014/main" val="3809262267"/>
+                  </a:ext>
+                </a:extLst>
+              </a:tr>
+              <a:tr h="370840">
+                <a:tc>
+                  <a:txBody>
+                    <a:bodyPr/>
+                    <a:lstStyle/>
+                    <a:p>
+                      <a:pPr algn="l"/>
+                      <a:r>
+                        <a:rPr lang="zh-TW" altLang="en-US" dirty="0">
+                          <a:latin typeface="微軟正黑體" panose="020B0604030504040204" pitchFamily="34" charset="-120"/>
+                          <a:ea typeface="微軟正黑體" panose="020B0604030504040204" pitchFamily="34" charset="-120"/>
+                        </a:rPr>
+                        <a:t>缺點</a:t>
+                      </a:r>
+                    </a:p>
+                  </a:txBody>
+                  <a:tcPr anchor="ctr"/>
+                </a:tc>
+                <a:tc>
+                  <a:txBody>
+                    <a:bodyPr/>
+                    <a:lstStyle/>
+                    <a:p>
+                      <a:pPr algn="l"/>
+                      <a:r>
+                        <a:rPr lang="zh-TW" altLang="en-US" dirty="0">
+                          <a:latin typeface="微軟正黑體" panose="020B0604030504040204" pitchFamily="34" charset="-120"/>
+                          <a:ea typeface="微軟正黑體" panose="020B0604030504040204" pitchFamily="34" charset="-120"/>
+                        </a:rPr>
+                        <a:t>適應值會受到各目標的尺度</a:t>
+                      </a:r>
+                      <a:r>
+                        <a:rPr lang="en-US" altLang="zh-TW" dirty="0">
+                          <a:latin typeface="微軟正黑體" panose="020B0604030504040204" pitchFamily="34" charset="-120"/>
+                          <a:ea typeface="微軟正黑體" panose="020B0604030504040204" pitchFamily="34" charset="-120"/>
+                        </a:rPr>
+                        <a:t>(</a:t>
+                      </a:r>
+                      <a:r>
+                        <a:rPr lang="zh-TW" altLang="en-US" dirty="0">
+                          <a:latin typeface="微軟正黑體" panose="020B0604030504040204" pitchFamily="34" charset="-120"/>
+                          <a:ea typeface="微軟正黑體" panose="020B0604030504040204" pitchFamily="34" charset="-120"/>
+                        </a:rPr>
+                        <a:t>物理單位</a:t>
+                      </a:r>
+                      <a:r>
+                        <a:rPr lang="en-US" altLang="zh-TW" dirty="0">
+                          <a:latin typeface="微軟正黑體" panose="020B0604030504040204" pitchFamily="34" charset="-120"/>
+                          <a:ea typeface="微軟正黑體" panose="020B0604030504040204" pitchFamily="34" charset="-120"/>
+                        </a:rPr>
+                        <a:t>)</a:t>
+                      </a:r>
+                      <a:r>
+                        <a:rPr lang="zh-TW" altLang="en-US" dirty="0">
+                          <a:latin typeface="微軟正黑體" panose="020B0604030504040204" pitchFamily="34" charset="-120"/>
+                          <a:ea typeface="微軟正黑體" panose="020B0604030504040204" pitchFamily="34" charset="-120"/>
+                        </a:rPr>
+                        <a:t>所影響</a:t>
+                      </a:r>
+                    </a:p>
+                  </a:txBody>
+                  <a:tcPr anchor="ctr"/>
+                </a:tc>
+                <a:tc>
+                  <a:txBody>
+                    <a:bodyPr/>
+                    <a:lstStyle/>
+                    <a:p>
+                      <a:pPr marL="0" marR="0" lvl="0" indent="0" algn="l" defTabSz="914400" rtl="0" eaLnBrk="1" fontAlgn="auto" latinLnBrk="0" hangingPunct="1">
+                        <a:lnSpc>
+                          <a:spcPct val="100000"/>
+                        </a:lnSpc>
+                        <a:spcBef>
+                          <a:spcPts val="0"/>
+                        </a:spcBef>
+                        <a:spcAft>
+                          <a:spcPts val="0"/>
+                        </a:spcAft>
+                        <a:buClrTx/>
+                        <a:buSzTx/>
+                        <a:buFontTx/>
+                        <a:buNone/>
+                        <a:tabLst/>
+                        <a:defRPr/>
+                      </a:pPr>
+                      <a:r>
+                        <a:rPr lang="en-US" altLang="zh-TW" dirty="0">
+                          <a:latin typeface="微軟正黑體" panose="020B0604030504040204" pitchFamily="34" charset="-120"/>
+                          <a:ea typeface="微軟正黑體" panose="020B0604030504040204" pitchFamily="34" charset="-120"/>
+                        </a:rPr>
+                        <a:t>1. </a:t>
+                      </a:r>
+                      <a:r>
+                        <a:rPr lang="zh-TW" altLang="en-US" dirty="0">
+                          <a:latin typeface="微軟正黑體" panose="020B0604030504040204" pitchFamily="34" charset="-120"/>
+                          <a:ea typeface="微軟正黑體" panose="020B0604030504040204" pitchFamily="34" charset="-120"/>
+                        </a:rPr>
+                        <a:t>適應值會受到各目標的尺度</a:t>
+                      </a:r>
+                      <a:r>
+                        <a:rPr lang="en-US" altLang="zh-TW" dirty="0">
+                          <a:latin typeface="微軟正黑體" panose="020B0604030504040204" pitchFamily="34" charset="-120"/>
+                          <a:ea typeface="微軟正黑體" panose="020B0604030504040204" pitchFamily="34" charset="-120"/>
+                        </a:rPr>
+                        <a:t>(</a:t>
+                      </a:r>
+                      <a:r>
+                        <a:rPr lang="zh-TW" altLang="en-US" dirty="0">
+                          <a:latin typeface="微軟正黑體" panose="020B0604030504040204" pitchFamily="34" charset="-120"/>
+                          <a:ea typeface="微軟正黑體" panose="020B0604030504040204" pitchFamily="34" charset="-120"/>
+                        </a:rPr>
+                        <a:t>物理單位</a:t>
+                      </a:r>
+                      <a:r>
+                        <a:rPr lang="en-US" altLang="zh-TW" dirty="0">
+                          <a:latin typeface="微軟正黑體" panose="020B0604030504040204" pitchFamily="34" charset="-120"/>
+                          <a:ea typeface="微軟正黑體" panose="020B0604030504040204" pitchFamily="34" charset="-120"/>
+                        </a:rPr>
+                        <a:t>)</a:t>
+                      </a:r>
+                      <a:r>
+                        <a:rPr lang="zh-TW" altLang="en-US" dirty="0">
+                          <a:latin typeface="微軟正黑體" panose="020B0604030504040204" pitchFamily="34" charset="-120"/>
+                          <a:ea typeface="微軟正黑體" panose="020B0604030504040204" pitchFamily="34" charset="-120"/>
+                        </a:rPr>
+                        <a:t>所影響</a:t>
+                      </a:r>
+                    </a:p>
+                    <a:p>
+                      <a:pPr algn="l"/>
+                      <a:r>
+                        <a:rPr lang="en-US" altLang="zh-TW" dirty="0">
+                          <a:latin typeface="微軟正黑體" panose="020B0604030504040204" pitchFamily="34" charset="-120"/>
+                          <a:ea typeface="微軟正黑體" panose="020B0604030504040204" pitchFamily="34" charset="-120"/>
+                        </a:rPr>
+                        <a:t>2.</a:t>
+                      </a:r>
+                      <a:r>
+                        <a:rPr lang="zh-TW" altLang="en-US" dirty="0">
+                          <a:latin typeface="微軟正黑體" panose="020B0604030504040204" pitchFamily="34" charset="-120"/>
+                          <a:ea typeface="微軟正黑體" panose="020B0604030504040204" pitchFamily="34" charset="-120"/>
+                        </a:rPr>
+                        <a:t>很難決定權重</a:t>
+                      </a:r>
+                    </a:p>
+                  </a:txBody>
+                  <a:tcPr anchor="ctr"/>
+                </a:tc>
+                <a:tc>
+                  <a:txBody>
+                    <a:bodyPr/>
+                    <a:lstStyle/>
+                    <a:p>
+                      <a:pPr marL="342900" indent="-342900" algn="l">
+                        <a:buAutoNum type="arabicPeriod"/>
+                      </a:pPr>
+                      <a:r>
+                        <a:rPr lang="zh-TW" altLang="en-US" dirty="0">
+                          <a:latin typeface="微軟正黑體" panose="020B0604030504040204" pitchFamily="34" charset="-120"/>
+                          <a:ea typeface="微軟正黑體" panose="020B0604030504040204" pitchFamily="34" charset="-120"/>
+                        </a:rPr>
+                        <a:t>計算量龐大且複雜</a:t>
+                      </a:r>
+                      <a:endParaRPr lang="en-US" altLang="zh-TW" dirty="0">
+                        <a:latin typeface="微軟正黑體" panose="020B0604030504040204" pitchFamily="34" charset="-120"/>
+                        <a:ea typeface="微軟正黑體" panose="020B0604030504040204" pitchFamily="34" charset="-120"/>
+                      </a:endParaRPr>
+                    </a:p>
+                    <a:p>
+                      <a:pPr marL="342900" indent="-342900" algn="l">
+                        <a:buAutoNum type="arabicPeriod"/>
+                      </a:pPr>
+                      <a:r>
+                        <a:rPr lang="zh-TW" altLang="en-US" dirty="0">
+                          <a:latin typeface="微軟正黑體" panose="020B0604030504040204" pitchFamily="34" charset="-120"/>
+                          <a:ea typeface="微軟正黑體" panose="020B0604030504040204" pitchFamily="34" charset="-120"/>
+                        </a:rPr>
+                        <a:t>不會明確給你一個答案</a:t>
+                      </a:r>
+                    </a:p>
+                  </a:txBody>
+                  <a:tcPr anchor="ctr"/>
+                </a:tc>
+                <a:extLst>
+                  <a:ext uri="{0D108BD9-81ED-4DB2-BD59-A6C34878D82A}">
+                    <a16:rowId xmlns:a16="http://schemas.microsoft.com/office/drawing/2014/main" val="427536407"/>
+                  </a:ext>
+                </a:extLst>
+              </a:tr>
+              <a:tr h="370840">
+                <a:tc>
+                  <a:txBody>
+                    <a:bodyPr/>
+                    <a:lstStyle/>
+                    <a:p>
+                      <a:pPr algn="l"/>
+                      <a:r>
+                        <a:rPr lang="zh-TW" altLang="en-US" dirty="0">
+                          <a:latin typeface="微軟正黑體" panose="020B0604030504040204" pitchFamily="34" charset="-120"/>
+                          <a:ea typeface="微軟正黑體" panose="020B0604030504040204" pitchFamily="34" charset="-120"/>
+                        </a:rPr>
+                        <a:t>補充</a:t>
+                      </a:r>
+                    </a:p>
+                  </a:txBody>
+                  <a:tcPr anchor="ctr"/>
+                </a:tc>
+                <a:tc>
+                  <a:txBody>
+                    <a:bodyPr/>
+                    <a:lstStyle/>
+                    <a:p>
+                      <a:pPr algn="l"/>
+                      <a:r>
+                        <a:rPr lang="zh-TW" altLang="en-US" dirty="0">
+                          <a:latin typeface="微軟正黑體" panose="020B0604030504040204" pitchFamily="34" charset="-120"/>
+                          <a:ea typeface="微軟正黑體" panose="020B0604030504040204" pitchFamily="34" charset="-120"/>
+                        </a:rPr>
+                        <a:t>無</a:t>
+                      </a:r>
+                    </a:p>
+                  </a:txBody>
+                  <a:tcPr anchor="ctr"/>
+                </a:tc>
+                <a:tc>
+                  <a:txBody>
+                    <a:bodyPr/>
+                    <a:lstStyle/>
+                    <a:p>
+                      <a:pPr algn="l"/>
+                      <a:r>
+                        <a:rPr lang="zh-TW" altLang="en-US" dirty="0">
+                          <a:latin typeface="微軟正黑體" panose="020B0604030504040204" pitchFamily="34" charset="-120"/>
+                          <a:ea typeface="微軟正黑體" panose="020B0604030504040204" pitchFamily="34" charset="-120"/>
+                        </a:rPr>
+                        <a:t>特徵篩選相關論文常用的方法</a:t>
+                      </a:r>
+                    </a:p>
+                  </a:txBody>
+                  <a:tcPr anchor="ctr"/>
+                </a:tc>
+                <a:tc>
+                  <a:txBody>
+                    <a:bodyPr/>
+                    <a:lstStyle/>
+                    <a:p>
+                      <a:pPr algn="l"/>
+                      <a:r>
+                        <a:rPr lang="en-US" altLang="zh-TW" dirty="0">
+                          <a:latin typeface="微軟正黑體" panose="020B0604030504040204" pitchFamily="34" charset="-120"/>
+                          <a:ea typeface="微軟正黑體" panose="020B0604030504040204" pitchFamily="34" charset="-120"/>
+                        </a:rPr>
+                        <a:t>NSGA</a:t>
+                      </a:r>
+                      <a:r>
+                        <a:rPr lang="zh-TW" altLang="en-US" dirty="0">
+                          <a:latin typeface="微軟正黑體" panose="020B0604030504040204" pitchFamily="34" charset="-120"/>
+                          <a:ea typeface="微軟正黑體" panose="020B0604030504040204" pitchFamily="34" charset="-120"/>
+                        </a:rPr>
+                        <a:t>系列最為經典</a:t>
+                      </a:r>
+                    </a:p>
+                  </a:txBody>
+                  <a:tcPr anchor="ctr"/>
+                </a:tc>
+                <a:extLst>
+                  <a:ext uri="{0D108BD9-81ED-4DB2-BD59-A6C34878D82A}">
+                    <a16:rowId xmlns:a16="http://schemas.microsoft.com/office/drawing/2014/main" val="2209510755"/>
+                  </a:ext>
+                </a:extLst>
+              </a:tr>
+            </a:tbl>
+          </a:graphicData>
+        </a:graphic>
+      </p:graphicFrame>
+    </p:spTree>
+    <p:extLst>
+      <p:ext uri="{BB962C8B-B14F-4D97-AF65-F5344CB8AC3E}">
+        <p14:creationId xmlns:p14="http://schemas.microsoft.com/office/powerpoint/2010/main" val="2629225236"/>
+      </p:ext>
+    </p:extLst>
+  </p:cSld>
+  <p:clrMapOvr>
+    <a:masterClrMapping/>
+  </p:clrMapOvr>
+</p:sld>
+</file>
+
+<file path=ppt/slides/slide11.xml><?xml version="1.0" encoding="utf-8"?>
+<p:sld xmlns:a="http://schemas.openxmlformats.org/drawingml/2006/main" xmlns:r="http://schemas.openxmlformats.org/officeDocument/2006/relationships" xmlns:p="http://schemas.openxmlformats.org/presentationml/2006/main">
+  <p:cSld>
+    <p:spTree>
+      <p:nvGrpSpPr>
+        <p:cNvPr id="1" name=""/>
+        <p:cNvGrpSpPr/>
+        <p:nvPr/>
+      </p:nvGrpSpPr>
+      <p:grpSpPr>
+        <a:xfrm>
+          <a:off x="0" y="0"/>
+          <a:ext cx="0" cy="0"/>
+          <a:chOff x="0" y="0"/>
+          <a:chExt cx="0" cy="0"/>
+        </a:xfrm>
+      </p:grpSpPr>
+      <p:sp>
+        <p:nvSpPr>
+          <p:cNvPr id="2" name="標題 1">
+            <a:extLst>
+              <a:ext uri="{FF2B5EF4-FFF2-40B4-BE49-F238E27FC236}">
+                <a16:creationId xmlns:a16="http://schemas.microsoft.com/office/drawing/2014/main" id="{296E0119-D9EE-43FD-BAD5-A24721895743}"/>
+              </a:ext>
+            </a:extLst>
+          </p:cNvPr>
+          <p:cNvSpPr>
+            <a:spLocks noGrp="1"/>
+          </p:cNvSpPr>
+          <p:nvPr>
+            <p:ph type="title"/>
+          </p:nvPr>
+        </p:nvSpPr>
+        <p:spPr/>
+        <p:txBody>
+          <a:bodyPr/>
+          <a:lstStyle/>
+          <a:p>
+            <a:r>
+              <a:rPr lang="en-US" altLang="zh-TW" dirty="0"/>
+              <a:t>A priori methods</a:t>
+            </a:r>
+            <a:r>
+              <a:rPr lang="zh-TW" altLang="en-US" dirty="0"/>
+              <a:t>的流程圖</a:t>
+            </a:r>
+          </a:p>
+        </p:txBody>
+      </p:sp>
+      <p:sp>
+        <p:nvSpPr>
+          <p:cNvPr id="12" name="文字方塊 11">
+            <a:extLst>
+              <a:ext uri="{FF2B5EF4-FFF2-40B4-BE49-F238E27FC236}">
+                <a16:creationId xmlns:a16="http://schemas.microsoft.com/office/drawing/2014/main" id="{4852DF88-DAE8-4684-8F4E-FEDD2FD289FB}"/>
+              </a:ext>
+            </a:extLst>
+          </p:cNvPr>
+          <p:cNvSpPr txBox="1"/>
+          <p:nvPr/>
+        </p:nvSpPr>
+        <p:spPr>
+          <a:xfrm>
+            <a:off x="838200" y="6215876"/>
+            <a:ext cx="5206425" cy="276999"/>
+          </a:xfrm>
+          <a:prstGeom prst="rect">
+            <a:avLst/>
+          </a:prstGeom>
+          <a:noFill/>
+        </p:spPr>
+        <p:txBody>
+          <a:bodyPr wrap="none" rtlCol="0">
+            <a:spAutoFit/>
+          </a:bodyPr>
+          <a:lstStyle/>
+          <a:p>
+            <a:r>
+              <a:rPr lang="en-US" altLang="zh-TW" sz="1200" dirty="0">
+                <a:solidFill>
+                  <a:srgbClr val="222222"/>
+                </a:solidFill>
+                <a:latin typeface="Arial" panose="020B0604020202020204" pitchFamily="34" charset="0"/>
+                <a:hlinkClick r:id="rId2"/>
+              </a:rPr>
+              <a:t>[1] </a:t>
+            </a:r>
+            <a:r>
+              <a:rPr lang="en-US" altLang="zh-TW" sz="1200" dirty="0" err="1">
+                <a:solidFill>
+                  <a:srgbClr val="222222"/>
+                </a:solidFill>
+                <a:latin typeface="Arial" panose="020B0604020202020204" pitchFamily="34" charset="0"/>
+                <a:hlinkClick r:id="rId2"/>
+              </a:rPr>
+              <a:t>Seyedali</a:t>
+            </a:r>
+            <a:r>
+              <a:rPr lang="en-US" altLang="zh-TW" sz="1200" dirty="0">
+                <a:solidFill>
+                  <a:srgbClr val="222222"/>
+                </a:solidFill>
+                <a:latin typeface="Arial" panose="020B0604020202020204" pitchFamily="34" charset="0"/>
+                <a:hlinkClick r:id="rId2"/>
+              </a:rPr>
+              <a:t> </a:t>
+            </a:r>
+            <a:r>
+              <a:rPr lang="en-US" altLang="zh-TW" sz="1200" dirty="0" err="1">
+                <a:solidFill>
+                  <a:srgbClr val="222222"/>
+                </a:solidFill>
+                <a:latin typeface="Arial" panose="020B0604020202020204" pitchFamily="34" charset="0"/>
+                <a:hlinkClick r:id="rId2"/>
+              </a:rPr>
+              <a:t>Mirjalili</a:t>
+            </a:r>
+            <a:r>
+              <a:rPr lang="en-US" altLang="zh-TW" sz="1200" dirty="0">
+                <a:solidFill>
+                  <a:srgbClr val="222222"/>
+                </a:solidFill>
+                <a:latin typeface="Arial" panose="020B0604020202020204" pitchFamily="34" charset="0"/>
+                <a:hlinkClick r:id="rId2"/>
+              </a:rPr>
+              <a:t>, Multi-objective Optimization Problems and Algorithms</a:t>
+            </a:r>
+            <a:endParaRPr lang="zh-TW" altLang="en-US" sz="1200" dirty="0"/>
+          </a:p>
+        </p:txBody>
+      </p:sp>
+      <p:sp>
+        <p:nvSpPr>
+          <p:cNvPr id="13" name="文字方塊 12">
+            <a:extLst>
+              <a:ext uri="{FF2B5EF4-FFF2-40B4-BE49-F238E27FC236}">
+                <a16:creationId xmlns:a16="http://schemas.microsoft.com/office/drawing/2014/main" id="{9BB8B84D-D1A3-4A7F-865D-171B44206CCA}"/>
+              </a:ext>
+            </a:extLst>
+          </p:cNvPr>
+          <p:cNvSpPr txBox="1"/>
+          <p:nvPr/>
+        </p:nvSpPr>
+        <p:spPr>
+          <a:xfrm>
+            <a:off x="8832304" y="3212976"/>
+            <a:ext cx="3175851" cy="646331"/>
+          </a:xfrm>
+          <a:prstGeom prst="rect">
+            <a:avLst/>
+          </a:prstGeom>
+          <a:noFill/>
+        </p:spPr>
+        <p:txBody>
+          <a:bodyPr wrap="square" rtlCol="0">
+            <a:spAutoFit/>
+          </a:bodyPr>
+          <a:lstStyle/>
+          <a:p>
+            <a:r>
+              <a:rPr lang="en-US" altLang="zh-TW" b="1" dirty="0">
+                <a:solidFill>
+                  <a:srgbClr val="FF0000"/>
+                </a:solidFill>
+                <a:latin typeface="微軟正黑體" panose="020B0604030504040204" pitchFamily="34" charset="-120"/>
+                <a:ea typeface="微軟正黑體" panose="020B0604030504040204" pitchFamily="34" charset="-120"/>
+              </a:rPr>
+              <a:t>[1]</a:t>
+            </a:r>
+            <a:r>
+              <a:rPr lang="zh-TW" altLang="en-US" b="1" dirty="0">
+                <a:solidFill>
+                  <a:srgbClr val="FF0000"/>
+                </a:solidFill>
+                <a:latin typeface="微軟正黑體" panose="020B0604030504040204" pitchFamily="34" charset="-120"/>
+                <a:ea typeface="微軟正黑體" panose="020B0604030504040204" pitchFamily="34" charset="-120"/>
+              </a:rPr>
+              <a:t>第</a:t>
+            </a:r>
+            <a:r>
+              <a:rPr lang="en-US" altLang="zh-TW" b="1" dirty="0">
+                <a:solidFill>
+                  <a:srgbClr val="FF0000"/>
+                </a:solidFill>
+                <a:latin typeface="微軟正黑體" panose="020B0604030504040204" pitchFamily="34" charset="-120"/>
+                <a:ea typeface="微軟正黑體" panose="020B0604030504040204" pitchFamily="34" charset="-120"/>
+              </a:rPr>
+              <a:t>17</a:t>
+            </a:r>
+            <a:r>
+              <a:rPr lang="zh-TW" altLang="en-US" b="1" dirty="0">
+                <a:solidFill>
+                  <a:srgbClr val="FF0000"/>
+                </a:solidFill>
+                <a:latin typeface="微軟正黑體" panose="020B0604030504040204" pitchFamily="34" charset="-120"/>
+                <a:ea typeface="微軟正黑體" panose="020B0604030504040204" pitchFamily="34" charset="-120"/>
+              </a:rPr>
+              <a:t>堂課的代碼流程圖，不確定講師是參考哪篇</a:t>
+            </a:r>
+            <a:r>
+              <a:rPr lang="en-US" altLang="zh-TW" b="1" dirty="0">
+                <a:solidFill>
+                  <a:srgbClr val="FF0000"/>
+                </a:solidFill>
+                <a:latin typeface="微軟正黑體" panose="020B0604030504040204" pitchFamily="34" charset="-120"/>
+                <a:ea typeface="微軟正黑體" panose="020B0604030504040204" pitchFamily="34" charset="-120"/>
+              </a:rPr>
+              <a:t>paper</a:t>
+            </a:r>
+            <a:endParaRPr lang="zh-TW" altLang="en-US" dirty="0">
+              <a:latin typeface="微軟正黑體" panose="020B0604030504040204" pitchFamily="34" charset="-120"/>
+              <a:ea typeface="微軟正黑體" panose="020B0604030504040204" pitchFamily="34" charset="-120"/>
+            </a:endParaRPr>
+          </a:p>
+        </p:txBody>
+      </p:sp>
+      <p:pic>
+        <p:nvPicPr>
+          <p:cNvPr id="6" name="內容版面配置區 5">
+            <a:extLst>
+              <a:ext uri="{FF2B5EF4-FFF2-40B4-BE49-F238E27FC236}">
+                <a16:creationId xmlns:a16="http://schemas.microsoft.com/office/drawing/2014/main" id="{BDBBF44C-CBEF-4016-B69B-772365D571A6}"/>
+              </a:ext>
+            </a:extLst>
+          </p:cNvPr>
+          <p:cNvPicPr>
+            <a:picLocks noGrp="1" noChangeAspect="1"/>
+          </p:cNvPicPr>
+          <p:nvPr>
+            <p:ph idx="1"/>
+          </p:nvPr>
+        </p:nvPicPr>
+        <p:blipFill>
+          <a:blip r:embed="rId3">
+            <a:extLst>
+              <a:ext uri="{28A0092B-C50C-407E-A947-70E740481C1C}">
+                <a14:useLocalDpi xmlns:a14="http://schemas.microsoft.com/office/drawing/2010/main" val="0"/>
+              </a:ext>
+            </a:extLst>
+          </a:blip>
+          <a:stretch>
+            <a:fillRect/>
+          </a:stretch>
+        </p:blipFill>
+        <p:spPr>
+          <a:xfrm>
+            <a:off x="4762619" y="1825625"/>
+            <a:ext cx="2666761" cy="4351338"/>
+          </a:xfrm>
+        </p:spPr>
+      </p:pic>
+    </p:spTree>
+    <p:extLst>
+      <p:ext uri="{BB962C8B-B14F-4D97-AF65-F5344CB8AC3E}">
+        <p14:creationId xmlns:p14="http://schemas.microsoft.com/office/powerpoint/2010/main" val="732338044"/>
+      </p:ext>
+    </p:extLst>
+  </p:cSld>
+  <p:clrMapOvr>
+    <a:masterClrMapping/>
+  </p:clrMapOvr>
+</p:sld>
+</file>
+
 <file path=ppt/slides/slide2.xml><?xml version="1.0" encoding="utf-8"?>
 <p:sld xmlns:a="http://schemas.openxmlformats.org/drawingml/2006/main" xmlns:r="http://schemas.openxmlformats.org/officeDocument/2006/relationships" xmlns:p="http://schemas.openxmlformats.org/presentationml/2006/main">
   <p:cSld>
@@ -6842,13 +7836,7 @@
       </p:grpSpPr>
       <p:sp>
         <p:nvSpPr>
-          <p:cNvPr id="2" name="標題 1">
-            <a:extLst>
-              <a:ext uri="{FF2B5EF4-FFF2-40B4-BE49-F238E27FC236}">
-                <a16:creationId xmlns:a16="http://schemas.microsoft.com/office/drawing/2014/main" id="{1935C347-C0E2-4ABE-AB8B-C442D1379588}"/>
-              </a:ext>
-            </a:extLst>
-          </p:cNvPr>
+          <p:cNvPr id="2" name="標題 1"/>
           <p:cNvSpPr>
             <a:spLocks noGrp="1"/>
           </p:cNvSpPr>
@@ -6862,686 +7850,194 @@
           <a:lstStyle/>
           <a:p>
             <a:r>
-              <a:rPr lang="zh-TW" altLang="en-US" dirty="0"/>
-              <a:t>總結</a:t>
-            </a:r>
-            <a:endParaRPr lang="en-US" altLang="zh-TW" dirty="0"/>
-          </a:p>
-        </p:txBody>
-      </p:sp>
-      <p:graphicFrame>
-        <p:nvGraphicFramePr>
-          <p:cNvPr id="3" name="表格 4">
-            <a:extLst>
-              <a:ext uri="{FF2B5EF4-FFF2-40B4-BE49-F238E27FC236}">
-                <a16:creationId xmlns:a16="http://schemas.microsoft.com/office/drawing/2014/main" id="{B313E761-735B-44AF-A153-E49C9CD071A4}"/>
-              </a:ext>
-            </a:extLst>
-          </p:cNvPr>
-          <p:cNvGraphicFramePr>
-            <a:graphicFrameLocks noGrp="1"/>
-          </p:cNvGraphicFramePr>
+              <a:rPr lang="en-US" altLang="zh-TW" dirty="0"/>
+              <a:t>A priori </a:t>
+            </a:r>
+            <a:r>
+              <a:rPr lang="en-US" altLang="zh-TW" dirty="0" smtClean="0"/>
+              <a:t>methods(cont</a:t>
+            </a:r>
+            <a:r>
+              <a:rPr lang="en-US" altLang="zh-TW" dirty="0"/>
+              <a:t>.</a:t>
+            </a:r>
+            <a:r>
+              <a:rPr lang="en-US" altLang="zh-TW" dirty="0" smtClean="0"/>
+              <a:t>)</a:t>
+            </a:r>
+            <a:endParaRPr lang="zh-TW" altLang="en-US" dirty="0"/>
+          </a:p>
+        </p:txBody>
+      </p:sp>
+      <p:sp>
+        <p:nvSpPr>
+          <p:cNvPr id="3" name="內容版面配置區 2"/>
+          <p:cNvSpPr>
+            <a:spLocks noGrp="1"/>
+          </p:cNvSpPr>
           <p:nvPr>
             <p:ph idx="1"/>
-            <p:extLst>
-              <p:ext uri="{D42A27DB-BD31-4B8C-83A1-F6EECF244321}">
-                <p14:modId xmlns:p14="http://schemas.microsoft.com/office/powerpoint/2010/main" val="3314511733"/>
-              </p:ext>
-            </p:extLst>
           </p:nvPr>
-        </p:nvGraphicFramePr>
-        <p:xfrm>
-          <a:off x="838200" y="1825625"/>
-          <a:ext cx="10515600" cy="3479800"/>
-        </p:xfrm>
-        <a:graphic>
-          <a:graphicData uri="http://schemas.openxmlformats.org/drawingml/2006/table">
-            <a:tbl>
-              <a:tblPr firstRow="1" bandRow="1">
-                <a:tableStyleId>{5C22544A-7EE6-4342-B048-85BDC9FD1C3A}</a:tableStyleId>
-              </a:tblPr>
-              <a:tblGrid>
-                <a:gridCol w="2628900">
-                  <a:extLst>
-                    <a:ext uri="{9D8B030D-6E8A-4147-A177-3AD203B41FA5}">
-                      <a16:colId xmlns:a16="http://schemas.microsoft.com/office/drawing/2014/main" val="3844138112"/>
-                    </a:ext>
-                  </a:extLst>
-                </a:gridCol>
-                <a:gridCol w="2628900">
-                  <a:extLst>
-                    <a:ext uri="{9D8B030D-6E8A-4147-A177-3AD203B41FA5}">
-                      <a16:colId xmlns:a16="http://schemas.microsoft.com/office/drawing/2014/main" val="3574819129"/>
-                    </a:ext>
-                  </a:extLst>
-                </a:gridCol>
-                <a:gridCol w="2628900">
-                  <a:extLst>
-                    <a:ext uri="{9D8B030D-6E8A-4147-A177-3AD203B41FA5}">
-                      <a16:colId xmlns:a16="http://schemas.microsoft.com/office/drawing/2014/main" val="2009088659"/>
-                    </a:ext>
-                  </a:extLst>
-                </a:gridCol>
-                <a:gridCol w="2628900">
-                  <a:extLst>
-                    <a:ext uri="{9D8B030D-6E8A-4147-A177-3AD203B41FA5}">
-                      <a16:colId xmlns:a16="http://schemas.microsoft.com/office/drawing/2014/main" val="1262094424"/>
-                    </a:ext>
-                  </a:extLst>
-                </a:gridCol>
-              </a:tblGrid>
-              <a:tr h="370840">
-                <a:tc>
-                  <a:txBody>
-                    <a:bodyPr/>
-                    <a:lstStyle/>
-                    <a:p>
-                      <a:pPr algn="l"/>
-                      <a:r>
-                        <a:rPr lang="zh-TW" altLang="en-US" dirty="0">
-                          <a:latin typeface="微軟正黑體" panose="020B0604030504040204" pitchFamily="34" charset="-120"/>
-                          <a:ea typeface="微軟正黑體" panose="020B0604030504040204" pitchFamily="34" charset="-120"/>
-                        </a:rPr>
-                        <a:t>方法</a:t>
-                      </a:r>
-                    </a:p>
-                  </a:txBody>
-                  <a:tcPr anchor="ctr"/>
-                </a:tc>
-                <a:tc>
-                  <a:txBody>
-                    <a:bodyPr/>
-                    <a:lstStyle/>
-                    <a:p>
-                      <a:pPr marL="0" marR="0" lvl="0" indent="0" algn="l" defTabSz="914400" rtl="0" eaLnBrk="1" fontAlgn="auto" latinLnBrk="0" hangingPunct="1">
-                        <a:lnSpc>
-                          <a:spcPct val="100000"/>
-                        </a:lnSpc>
-                        <a:spcBef>
-                          <a:spcPts val="0"/>
-                        </a:spcBef>
-                        <a:spcAft>
-                          <a:spcPts val="0"/>
-                        </a:spcAft>
-                        <a:buClrTx/>
-                        <a:buSzTx/>
-                        <a:buFontTx/>
-                        <a:buNone/>
-                        <a:tabLst/>
-                        <a:defRPr/>
-                      </a:pPr>
-                      <a:r>
-                        <a:rPr lang="en-US" altLang="zh-TW" dirty="0">
-                          <a:latin typeface="微軟正黑體" panose="020B0604030504040204" pitchFamily="34" charset="-120"/>
-                          <a:ea typeface="微軟正黑體" panose="020B0604030504040204" pitchFamily="34" charset="-120"/>
-                        </a:rPr>
-                        <a:t>No Preference methods</a:t>
-                      </a:r>
-                      <a:endParaRPr lang="zh-TW" altLang="en-US" dirty="0">
-                        <a:latin typeface="微軟正黑體" panose="020B0604030504040204" pitchFamily="34" charset="-120"/>
-                        <a:ea typeface="微軟正黑體" panose="020B0604030504040204" pitchFamily="34" charset="-120"/>
-                      </a:endParaRPr>
-                    </a:p>
-                  </a:txBody>
-                  <a:tcPr anchor="ctr"/>
-                </a:tc>
-                <a:tc>
-                  <a:txBody>
-                    <a:bodyPr/>
-                    <a:lstStyle/>
-                    <a:p>
-                      <a:pPr marL="0" marR="0" lvl="0" indent="0" algn="l" defTabSz="914400" rtl="0" eaLnBrk="1" fontAlgn="auto" latinLnBrk="0" hangingPunct="1">
-                        <a:lnSpc>
-                          <a:spcPct val="100000"/>
-                        </a:lnSpc>
-                        <a:spcBef>
-                          <a:spcPts val="0"/>
-                        </a:spcBef>
-                        <a:spcAft>
-                          <a:spcPts val="0"/>
-                        </a:spcAft>
-                        <a:buClrTx/>
-                        <a:buSzTx/>
-                        <a:buFontTx/>
-                        <a:buNone/>
-                        <a:tabLst/>
-                        <a:defRPr/>
-                      </a:pPr>
-                      <a:r>
-                        <a:rPr lang="en-US" altLang="zh-TW" dirty="0">
-                          <a:latin typeface="微軟正黑體" panose="020B0604030504040204" pitchFamily="34" charset="-120"/>
-                          <a:ea typeface="微軟正黑體" panose="020B0604030504040204" pitchFamily="34" charset="-120"/>
-                        </a:rPr>
-                        <a:t>Posteriori methods</a:t>
-                      </a:r>
-                      <a:endParaRPr lang="zh-TW" altLang="en-US" dirty="0">
-                        <a:latin typeface="微軟正黑體" panose="020B0604030504040204" pitchFamily="34" charset="-120"/>
-                        <a:ea typeface="微軟正黑體" panose="020B0604030504040204" pitchFamily="34" charset="-120"/>
-                      </a:endParaRPr>
-                    </a:p>
-                  </a:txBody>
-                  <a:tcPr anchor="ctr"/>
-                </a:tc>
-                <a:tc>
-                  <a:txBody>
-                    <a:bodyPr/>
-                    <a:lstStyle/>
-                    <a:p>
-                      <a:pPr marL="0" marR="0" lvl="0" indent="0" algn="l" defTabSz="914400" rtl="0" eaLnBrk="1" fontAlgn="auto" latinLnBrk="0" hangingPunct="1">
-                        <a:lnSpc>
-                          <a:spcPct val="100000"/>
-                        </a:lnSpc>
-                        <a:spcBef>
-                          <a:spcPts val="0"/>
-                        </a:spcBef>
-                        <a:spcAft>
-                          <a:spcPts val="0"/>
-                        </a:spcAft>
-                        <a:buClrTx/>
-                        <a:buSzTx/>
-                        <a:buFontTx/>
-                        <a:buNone/>
-                        <a:tabLst/>
-                        <a:defRPr/>
-                      </a:pPr>
-                      <a:r>
-                        <a:rPr lang="en-US" altLang="zh-TW" dirty="0">
-                          <a:latin typeface="微軟正黑體" panose="020B0604030504040204" pitchFamily="34" charset="-120"/>
-                          <a:ea typeface="微軟正黑體" panose="020B0604030504040204" pitchFamily="34" charset="-120"/>
-                        </a:rPr>
-                        <a:t>A priori methods</a:t>
-                      </a:r>
-                      <a:endParaRPr lang="zh-TW" altLang="en-US" dirty="0">
-                        <a:latin typeface="微軟正黑體" panose="020B0604030504040204" pitchFamily="34" charset="-120"/>
-                        <a:ea typeface="微軟正黑體" panose="020B0604030504040204" pitchFamily="34" charset="-120"/>
-                      </a:endParaRPr>
-                    </a:p>
-                  </a:txBody>
-                  <a:tcPr anchor="ctr"/>
-                </a:tc>
-                <a:extLst>
-                  <a:ext uri="{0D108BD9-81ED-4DB2-BD59-A6C34878D82A}">
-                    <a16:rowId xmlns:a16="http://schemas.microsoft.com/office/drawing/2014/main" val="137758822"/>
-                  </a:ext>
-                </a:extLst>
-              </a:tr>
-              <a:tr h="370840">
-                <a:tc>
-                  <a:txBody>
-                    <a:bodyPr/>
-                    <a:lstStyle/>
-                    <a:p>
-                      <a:pPr algn="l"/>
-                      <a:r>
-                        <a:rPr lang="zh-TW" altLang="en-US" dirty="0">
-                          <a:latin typeface="微軟正黑體" panose="020B0604030504040204" pitchFamily="34" charset="-120"/>
-                          <a:ea typeface="微軟正黑體" panose="020B0604030504040204" pitchFamily="34" charset="-120"/>
-                        </a:rPr>
-                        <a:t>簡述</a:t>
-                      </a:r>
-                    </a:p>
-                  </a:txBody>
-                  <a:tcPr anchor="ctr"/>
-                </a:tc>
-                <a:tc>
-                  <a:txBody>
-                    <a:bodyPr/>
-                    <a:lstStyle/>
-                    <a:p>
-                      <a:pPr algn="l"/>
-                      <a:r>
-                        <a:rPr lang="zh-TW" altLang="en-US" dirty="0">
-                          <a:latin typeface="微軟正黑體" panose="020B0604030504040204" pitchFamily="34" charset="-120"/>
-                          <a:ea typeface="微軟正黑體" panose="020B0604030504040204" pitchFamily="34" charset="-120"/>
-                        </a:rPr>
-                        <a:t>利用歐式距離將多目標問題</a:t>
-                      </a:r>
-                      <a:r>
-                        <a:rPr lang="en-US" altLang="zh-TW" dirty="0">
-                          <a:latin typeface="微軟正黑體" panose="020B0604030504040204" pitchFamily="34" charset="-120"/>
-                          <a:ea typeface="微軟正黑體" panose="020B0604030504040204" pitchFamily="34" charset="-120"/>
-                        </a:rPr>
-                        <a:t>-&gt;</a:t>
-                      </a:r>
-                      <a:r>
-                        <a:rPr lang="zh-TW" altLang="en-US" dirty="0">
-                          <a:latin typeface="微軟正黑體" panose="020B0604030504040204" pitchFamily="34" charset="-120"/>
-                          <a:ea typeface="微軟正黑體" panose="020B0604030504040204" pitchFamily="34" charset="-120"/>
-                        </a:rPr>
-                        <a:t>單目標問題</a:t>
-                      </a:r>
-                    </a:p>
-                  </a:txBody>
-                  <a:tcPr anchor="ctr"/>
-                </a:tc>
-                <a:tc>
-                  <a:txBody>
-                    <a:bodyPr/>
-                    <a:lstStyle/>
-                    <a:p>
-                      <a:pPr algn="l"/>
-                      <a:r>
-                        <a:rPr lang="zh-TW" altLang="en-US" dirty="0">
-                          <a:latin typeface="微軟正黑體" panose="020B0604030504040204" pitchFamily="34" charset="-120"/>
-                          <a:ea typeface="微軟正黑體" panose="020B0604030504040204" pitchFamily="34" charset="-120"/>
-                        </a:rPr>
-                        <a:t>直接為每一目標配上權重，將多目標問題</a:t>
-                      </a:r>
-                      <a:r>
-                        <a:rPr lang="en-US" altLang="zh-TW" dirty="0">
-                          <a:latin typeface="微軟正黑體" panose="020B0604030504040204" pitchFamily="34" charset="-120"/>
-                          <a:ea typeface="微軟正黑體" panose="020B0604030504040204" pitchFamily="34" charset="-120"/>
-                        </a:rPr>
-                        <a:t>-&gt;</a:t>
-                      </a:r>
-                      <a:r>
-                        <a:rPr lang="zh-TW" altLang="en-US" dirty="0">
-                          <a:latin typeface="微軟正黑體" panose="020B0604030504040204" pitchFamily="34" charset="-120"/>
-                          <a:ea typeface="微軟正黑體" panose="020B0604030504040204" pitchFamily="34" charset="-120"/>
-                        </a:rPr>
-                        <a:t>單目標問題</a:t>
-                      </a:r>
-                    </a:p>
-                  </a:txBody>
-                  <a:tcPr anchor="ctr"/>
-                </a:tc>
-                <a:tc>
-                  <a:txBody>
-                    <a:bodyPr/>
-                    <a:lstStyle/>
-                    <a:p>
-                      <a:pPr algn="l"/>
-                      <a:r>
-                        <a:rPr lang="zh-TW" altLang="en-US" dirty="0">
-                          <a:latin typeface="微軟正黑體" panose="020B0604030504040204" pitchFamily="34" charset="-120"/>
-                          <a:ea typeface="微軟正黑體" panose="020B0604030504040204" pitchFamily="34" charset="-120"/>
-                        </a:rPr>
-                        <a:t>給你多個最佳解，這些最佳解彼此各有優勢</a:t>
-                      </a:r>
-                    </a:p>
-                  </a:txBody>
-                  <a:tcPr anchor="ctr"/>
-                </a:tc>
-                <a:extLst>
-                  <a:ext uri="{0D108BD9-81ED-4DB2-BD59-A6C34878D82A}">
-                    <a16:rowId xmlns:a16="http://schemas.microsoft.com/office/drawing/2014/main" val="4108512906"/>
-                  </a:ext>
-                </a:extLst>
-              </a:tr>
-              <a:tr h="370840">
-                <a:tc>
-                  <a:txBody>
-                    <a:bodyPr/>
-                    <a:lstStyle/>
-                    <a:p>
-                      <a:pPr algn="l"/>
-                      <a:r>
-                        <a:rPr lang="zh-TW" altLang="en-US" dirty="0">
-                          <a:latin typeface="微軟正黑體" panose="020B0604030504040204" pitchFamily="34" charset="-120"/>
-                          <a:ea typeface="微軟正黑體" panose="020B0604030504040204" pitchFamily="34" charset="-120"/>
-                        </a:rPr>
-                        <a:t>優點</a:t>
-                      </a:r>
-                    </a:p>
-                  </a:txBody>
-                  <a:tcPr anchor="ctr"/>
-                </a:tc>
-                <a:tc>
-                  <a:txBody>
-                    <a:bodyPr/>
-                    <a:lstStyle/>
-                    <a:p>
-                      <a:pPr algn="l"/>
-                      <a:r>
-                        <a:rPr lang="zh-TW" altLang="en-US" dirty="0">
-                          <a:latin typeface="微軟正黑體" panose="020B0604030504040204" pitchFamily="34" charset="-120"/>
-                          <a:ea typeface="微軟正黑體" panose="020B0604030504040204" pitchFamily="34" charset="-120"/>
-                        </a:rPr>
-                        <a:t>直觀</a:t>
-                      </a:r>
-                      <a:endParaRPr lang="en-US" altLang="zh-TW" dirty="0">
-                        <a:latin typeface="微軟正黑體" panose="020B0604030504040204" pitchFamily="34" charset="-120"/>
-                        <a:ea typeface="微軟正黑體" panose="020B0604030504040204" pitchFamily="34" charset="-120"/>
-                      </a:endParaRPr>
-                    </a:p>
-                  </a:txBody>
-                  <a:tcPr anchor="ctr"/>
-                </a:tc>
-                <a:tc>
-                  <a:txBody>
-                    <a:bodyPr/>
-                    <a:lstStyle/>
-                    <a:p>
-                      <a:pPr marL="0" marR="0" lvl="0" indent="0" algn="l" defTabSz="914400" rtl="0" eaLnBrk="1" fontAlgn="auto" latinLnBrk="0" hangingPunct="1">
-                        <a:lnSpc>
-                          <a:spcPct val="100000"/>
-                        </a:lnSpc>
-                        <a:spcBef>
-                          <a:spcPts val="0"/>
-                        </a:spcBef>
-                        <a:spcAft>
-                          <a:spcPts val="0"/>
-                        </a:spcAft>
-                        <a:buClrTx/>
-                        <a:buSzTx/>
-                        <a:buFontTx/>
-                        <a:buNone/>
-                        <a:tabLst/>
-                        <a:defRPr/>
-                      </a:pPr>
-                      <a:r>
-                        <a:rPr lang="zh-TW" altLang="en-US" dirty="0">
-                          <a:latin typeface="微軟正黑體" panose="020B0604030504040204" pitchFamily="34" charset="-120"/>
-                          <a:ea typeface="微軟正黑體" panose="020B0604030504040204" pitchFamily="34" charset="-120"/>
-                        </a:rPr>
-                        <a:t>直觀</a:t>
-                      </a:r>
-                    </a:p>
-                  </a:txBody>
-                  <a:tcPr anchor="ctr"/>
-                </a:tc>
-                <a:tc>
-                  <a:txBody>
-                    <a:bodyPr/>
-                    <a:lstStyle/>
-                    <a:p>
-                      <a:pPr algn="l"/>
-                      <a:r>
-                        <a:rPr lang="zh-TW" altLang="en-US" dirty="0">
-                          <a:latin typeface="微軟正黑體" panose="020B0604030504040204" pitchFamily="34" charset="-120"/>
-                          <a:ea typeface="微軟正黑體" panose="020B0604030504040204" pitchFamily="34" charset="-120"/>
-                        </a:rPr>
-                        <a:t>屌炸天</a:t>
-                      </a:r>
-                    </a:p>
-                  </a:txBody>
-                  <a:tcPr anchor="ctr"/>
-                </a:tc>
-                <a:extLst>
-                  <a:ext uri="{0D108BD9-81ED-4DB2-BD59-A6C34878D82A}">
-                    <a16:rowId xmlns:a16="http://schemas.microsoft.com/office/drawing/2014/main" val="3809262267"/>
-                  </a:ext>
-                </a:extLst>
-              </a:tr>
-              <a:tr h="370840">
-                <a:tc>
-                  <a:txBody>
-                    <a:bodyPr/>
-                    <a:lstStyle/>
-                    <a:p>
-                      <a:pPr algn="l"/>
-                      <a:r>
-                        <a:rPr lang="zh-TW" altLang="en-US" dirty="0">
-                          <a:latin typeface="微軟正黑體" panose="020B0604030504040204" pitchFamily="34" charset="-120"/>
-                          <a:ea typeface="微軟正黑體" panose="020B0604030504040204" pitchFamily="34" charset="-120"/>
-                        </a:rPr>
-                        <a:t>缺點</a:t>
-                      </a:r>
-                    </a:p>
-                  </a:txBody>
-                  <a:tcPr anchor="ctr"/>
-                </a:tc>
-                <a:tc>
-                  <a:txBody>
-                    <a:bodyPr/>
-                    <a:lstStyle/>
-                    <a:p>
-                      <a:pPr algn="l"/>
-                      <a:r>
-                        <a:rPr lang="zh-TW" altLang="en-US" dirty="0">
-                          <a:latin typeface="微軟正黑體" panose="020B0604030504040204" pitchFamily="34" charset="-120"/>
-                          <a:ea typeface="微軟正黑體" panose="020B0604030504040204" pitchFamily="34" charset="-120"/>
-                        </a:rPr>
-                        <a:t>適應值會受到各目標的尺度</a:t>
-                      </a:r>
-                      <a:r>
-                        <a:rPr lang="en-US" altLang="zh-TW" dirty="0">
-                          <a:latin typeface="微軟正黑體" panose="020B0604030504040204" pitchFamily="34" charset="-120"/>
-                          <a:ea typeface="微軟正黑體" panose="020B0604030504040204" pitchFamily="34" charset="-120"/>
-                        </a:rPr>
-                        <a:t>(</a:t>
-                      </a:r>
-                      <a:r>
-                        <a:rPr lang="zh-TW" altLang="en-US" dirty="0">
-                          <a:latin typeface="微軟正黑體" panose="020B0604030504040204" pitchFamily="34" charset="-120"/>
-                          <a:ea typeface="微軟正黑體" panose="020B0604030504040204" pitchFamily="34" charset="-120"/>
-                        </a:rPr>
-                        <a:t>物理單位</a:t>
-                      </a:r>
-                      <a:r>
-                        <a:rPr lang="en-US" altLang="zh-TW" dirty="0">
-                          <a:latin typeface="微軟正黑體" panose="020B0604030504040204" pitchFamily="34" charset="-120"/>
-                          <a:ea typeface="微軟正黑體" panose="020B0604030504040204" pitchFamily="34" charset="-120"/>
-                        </a:rPr>
-                        <a:t>)</a:t>
-                      </a:r>
-                      <a:r>
-                        <a:rPr lang="zh-TW" altLang="en-US" dirty="0">
-                          <a:latin typeface="微軟正黑體" panose="020B0604030504040204" pitchFamily="34" charset="-120"/>
-                          <a:ea typeface="微軟正黑體" panose="020B0604030504040204" pitchFamily="34" charset="-120"/>
-                        </a:rPr>
-                        <a:t>所影響</a:t>
-                      </a:r>
-                    </a:p>
-                  </a:txBody>
-                  <a:tcPr anchor="ctr"/>
-                </a:tc>
-                <a:tc>
-                  <a:txBody>
-                    <a:bodyPr/>
-                    <a:lstStyle/>
-                    <a:p>
-                      <a:pPr marL="0" marR="0" lvl="0" indent="0" algn="l" defTabSz="914400" rtl="0" eaLnBrk="1" fontAlgn="auto" latinLnBrk="0" hangingPunct="1">
-                        <a:lnSpc>
-                          <a:spcPct val="100000"/>
-                        </a:lnSpc>
-                        <a:spcBef>
-                          <a:spcPts val="0"/>
-                        </a:spcBef>
-                        <a:spcAft>
-                          <a:spcPts val="0"/>
-                        </a:spcAft>
-                        <a:buClrTx/>
-                        <a:buSzTx/>
-                        <a:buFontTx/>
-                        <a:buNone/>
-                        <a:tabLst/>
-                        <a:defRPr/>
-                      </a:pPr>
-                      <a:r>
-                        <a:rPr lang="en-US" altLang="zh-TW" dirty="0">
-                          <a:latin typeface="微軟正黑體" panose="020B0604030504040204" pitchFamily="34" charset="-120"/>
-                          <a:ea typeface="微軟正黑體" panose="020B0604030504040204" pitchFamily="34" charset="-120"/>
-                        </a:rPr>
-                        <a:t>1. </a:t>
-                      </a:r>
-                      <a:r>
-                        <a:rPr lang="zh-TW" altLang="en-US" dirty="0">
-                          <a:latin typeface="微軟正黑體" panose="020B0604030504040204" pitchFamily="34" charset="-120"/>
-                          <a:ea typeface="微軟正黑體" panose="020B0604030504040204" pitchFamily="34" charset="-120"/>
-                        </a:rPr>
-                        <a:t>適應值會受到各目標的尺度</a:t>
-                      </a:r>
-                      <a:r>
-                        <a:rPr lang="en-US" altLang="zh-TW" dirty="0">
-                          <a:latin typeface="微軟正黑體" panose="020B0604030504040204" pitchFamily="34" charset="-120"/>
-                          <a:ea typeface="微軟正黑體" panose="020B0604030504040204" pitchFamily="34" charset="-120"/>
-                        </a:rPr>
-                        <a:t>(</a:t>
-                      </a:r>
-                      <a:r>
-                        <a:rPr lang="zh-TW" altLang="en-US" dirty="0">
-                          <a:latin typeface="微軟正黑體" panose="020B0604030504040204" pitchFamily="34" charset="-120"/>
-                          <a:ea typeface="微軟正黑體" panose="020B0604030504040204" pitchFamily="34" charset="-120"/>
-                        </a:rPr>
-                        <a:t>物理單位</a:t>
-                      </a:r>
-                      <a:r>
-                        <a:rPr lang="en-US" altLang="zh-TW" dirty="0">
-                          <a:latin typeface="微軟正黑體" panose="020B0604030504040204" pitchFamily="34" charset="-120"/>
-                          <a:ea typeface="微軟正黑體" panose="020B0604030504040204" pitchFamily="34" charset="-120"/>
-                        </a:rPr>
-                        <a:t>)</a:t>
-                      </a:r>
-                      <a:r>
-                        <a:rPr lang="zh-TW" altLang="en-US" dirty="0">
-                          <a:latin typeface="微軟正黑體" panose="020B0604030504040204" pitchFamily="34" charset="-120"/>
-                          <a:ea typeface="微軟正黑體" panose="020B0604030504040204" pitchFamily="34" charset="-120"/>
-                        </a:rPr>
-                        <a:t>所影響</a:t>
-                      </a:r>
-                    </a:p>
-                    <a:p>
-                      <a:pPr algn="l"/>
-                      <a:r>
-                        <a:rPr lang="en-US" altLang="zh-TW" dirty="0">
-                          <a:latin typeface="微軟正黑體" panose="020B0604030504040204" pitchFamily="34" charset="-120"/>
-                          <a:ea typeface="微軟正黑體" panose="020B0604030504040204" pitchFamily="34" charset="-120"/>
-                        </a:rPr>
-                        <a:t>2.</a:t>
-                      </a:r>
-                      <a:r>
-                        <a:rPr lang="zh-TW" altLang="en-US" dirty="0">
-                          <a:latin typeface="微軟正黑體" panose="020B0604030504040204" pitchFamily="34" charset="-120"/>
-                          <a:ea typeface="微軟正黑體" panose="020B0604030504040204" pitchFamily="34" charset="-120"/>
-                        </a:rPr>
-                        <a:t>很難決定權重</a:t>
-                      </a:r>
-                    </a:p>
-                  </a:txBody>
-                  <a:tcPr anchor="ctr"/>
-                </a:tc>
-                <a:tc>
-                  <a:txBody>
-                    <a:bodyPr/>
-                    <a:lstStyle/>
-                    <a:p>
-                      <a:pPr marL="342900" indent="-342900" algn="l">
-                        <a:buAutoNum type="arabicPeriod"/>
-                      </a:pPr>
-                      <a:r>
-                        <a:rPr lang="zh-TW" altLang="en-US" dirty="0">
-                          <a:latin typeface="微軟正黑體" panose="020B0604030504040204" pitchFamily="34" charset="-120"/>
-                          <a:ea typeface="微軟正黑體" panose="020B0604030504040204" pitchFamily="34" charset="-120"/>
-                        </a:rPr>
-                        <a:t>計算量龐大且複雜</a:t>
-                      </a:r>
-                      <a:endParaRPr lang="en-US" altLang="zh-TW" dirty="0">
-                        <a:latin typeface="微軟正黑體" panose="020B0604030504040204" pitchFamily="34" charset="-120"/>
-                        <a:ea typeface="微軟正黑體" panose="020B0604030504040204" pitchFamily="34" charset="-120"/>
-                      </a:endParaRPr>
-                    </a:p>
-                    <a:p>
-                      <a:pPr marL="342900" indent="-342900" algn="l">
-                        <a:buAutoNum type="arabicPeriod"/>
-                      </a:pPr>
-                      <a:r>
-                        <a:rPr lang="zh-TW" altLang="en-US" dirty="0">
-                          <a:latin typeface="微軟正黑體" panose="020B0604030504040204" pitchFamily="34" charset="-120"/>
-                          <a:ea typeface="微軟正黑體" panose="020B0604030504040204" pitchFamily="34" charset="-120"/>
-                        </a:rPr>
-                        <a:t>不會明確給你一個答案</a:t>
-                      </a:r>
-                    </a:p>
-                  </a:txBody>
-                  <a:tcPr anchor="ctr"/>
-                </a:tc>
-                <a:extLst>
-                  <a:ext uri="{0D108BD9-81ED-4DB2-BD59-A6C34878D82A}">
-                    <a16:rowId xmlns:a16="http://schemas.microsoft.com/office/drawing/2014/main" val="427536407"/>
-                  </a:ext>
-                </a:extLst>
-              </a:tr>
-              <a:tr h="370840">
-                <a:tc>
-                  <a:txBody>
-                    <a:bodyPr/>
-                    <a:lstStyle/>
-                    <a:p>
-                      <a:pPr algn="l"/>
-                      <a:r>
-                        <a:rPr lang="zh-TW" altLang="en-US" dirty="0">
-                          <a:latin typeface="微軟正黑體" panose="020B0604030504040204" pitchFamily="34" charset="-120"/>
-                          <a:ea typeface="微軟正黑體" panose="020B0604030504040204" pitchFamily="34" charset="-120"/>
-                        </a:rPr>
-                        <a:t>補充</a:t>
-                      </a:r>
-                    </a:p>
-                  </a:txBody>
-                  <a:tcPr anchor="ctr"/>
-                </a:tc>
-                <a:tc>
-                  <a:txBody>
-                    <a:bodyPr/>
-                    <a:lstStyle/>
-                    <a:p>
-                      <a:pPr algn="l"/>
-                      <a:r>
-                        <a:rPr lang="zh-TW" altLang="en-US" dirty="0">
-                          <a:latin typeface="微軟正黑體" panose="020B0604030504040204" pitchFamily="34" charset="-120"/>
-                          <a:ea typeface="微軟正黑體" panose="020B0604030504040204" pitchFamily="34" charset="-120"/>
-                        </a:rPr>
-                        <a:t>無</a:t>
-                      </a:r>
-                    </a:p>
-                  </a:txBody>
-                  <a:tcPr anchor="ctr"/>
-                </a:tc>
-                <a:tc>
-                  <a:txBody>
-                    <a:bodyPr/>
-                    <a:lstStyle/>
-                    <a:p>
-                      <a:pPr algn="l"/>
-                      <a:r>
-                        <a:rPr lang="zh-TW" altLang="en-US" dirty="0">
-                          <a:latin typeface="微軟正黑體" panose="020B0604030504040204" pitchFamily="34" charset="-120"/>
-                          <a:ea typeface="微軟正黑體" panose="020B0604030504040204" pitchFamily="34" charset="-120"/>
-                        </a:rPr>
-                        <a:t>特徵篩選相關論文常用的方法</a:t>
-                      </a:r>
-                    </a:p>
-                  </a:txBody>
-                  <a:tcPr anchor="ctr"/>
-                </a:tc>
-                <a:tc>
-                  <a:txBody>
-                    <a:bodyPr/>
-                    <a:lstStyle/>
-                    <a:p>
-                      <a:pPr algn="l"/>
-                      <a:r>
-                        <a:rPr lang="en-US" altLang="zh-TW" dirty="0">
-                          <a:latin typeface="微軟正黑體" panose="020B0604030504040204" pitchFamily="34" charset="-120"/>
-                          <a:ea typeface="微軟正黑體" panose="020B0604030504040204" pitchFamily="34" charset="-120"/>
-                        </a:rPr>
-                        <a:t>NSGA</a:t>
-                      </a:r>
-                      <a:r>
-                        <a:rPr lang="zh-TW" altLang="en-US" dirty="0">
-                          <a:latin typeface="微軟正黑體" panose="020B0604030504040204" pitchFamily="34" charset="-120"/>
-                          <a:ea typeface="微軟正黑體" panose="020B0604030504040204" pitchFamily="34" charset="-120"/>
-                        </a:rPr>
-                        <a:t>系列最為經典</a:t>
-                      </a:r>
-                    </a:p>
-                  </a:txBody>
-                  <a:tcPr anchor="ctr"/>
-                </a:tc>
-                <a:extLst>
-                  <a:ext uri="{0D108BD9-81ED-4DB2-BD59-A6C34878D82A}">
-                    <a16:rowId xmlns:a16="http://schemas.microsoft.com/office/drawing/2014/main" val="2209510755"/>
-                  </a:ext>
-                </a:extLst>
-              </a:tr>
-            </a:tbl>
-          </a:graphicData>
-        </a:graphic>
-      </p:graphicFrame>
+        </p:nvSpPr>
+        <p:spPr/>
+        <p:txBody>
+          <a:bodyPr/>
+          <a:lstStyle/>
+          <a:p>
+            <a:r>
+              <a:rPr lang="zh-TW" altLang="en-US" dirty="0" smtClean="0"/>
+              <a:t>假設有個最小化多目標</a:t>
+            </a:r>
+            <a:r>
+              <a:rPr lang="en-US" altLang="zh-TW" dirty="0" smtClean="0"/>
+              <a:t>min F(x)=(f1(x), f2(x), …, </a:t>
+            </a:r>
+            <a:r>
+              <a:rPr lang="en-US" altLang="zh-TW" dirty="0" err="1" smtClean="0"/>
+              <a:t>fk</a:t>
+            </a:r>
+            <a:r>
+              <a:rPr lang="en-US" altLang="zh-TW" dirty="0" smtClean="0"/>
+              <a:t>(x))</a:t>
+            </a:r>
+          </a:p>
+          <a:p>
+            <a:pPr lvl="1">
+              <a:buFont typeface="Wingdings" panose="05000000000000000000" pitchFamily="2" charset="2"/>
+              <a:buChar char="Ø"/>
+            </a:pPr>
+            <a:r>
+              <a:rPr lang="zh-TW" altLang="en-US" dirty="0" smtClean="0"/>
+              <a:t>其中</a:t>
+            </a:r>
+            <a:r>
+              <a:rPr lang="en-US" altLang="zh-TW" dirty="0" smtClean="0"/>
+              <a:t>k</a:t>
+            </a:r>
+            <a:r>
+              <a:rPr lang="zh-TW" altLang="en-US" dirty="0" smtClean="0"/>
+              <a:t>必須要</a:t>
+            </a:r>
+            <a:r>
+              <a:rPr lang="en-US" altLang="zh-TW" dirty="0" smtClean="0"/>
+              <a:t>&gt;=2</a:t>
+            </a:r>
+            <a:r>
+              <a:rPr lang="zh-TW" altLang="en-US" dirty="0" smtClean="0"/>
+              <a:t>，才可算做是多目標問題</a:t>
+            </a:r>
+            <a:r>
+              <a:rPr lang="en-US" altLang="zh-TW" dirty="0" smtClean="0"/>
+              <a:t>(MOP)</a:t>
+            </a:r>
+          </a:p>
+          <a:p>
+            <a:endParaRPr lang="en-US" altLang="zh-TW" dirty="0"/>
+          </a:p>
+          <a:p>
+            <a:r>
+              <a:rPr lang="zh-TW" altLang="en-US" dirty="0" smtClean="0"/>
+              <a:t>假設某個簡單的題目是</a:t>
+            </a:r>
+            <a:r>
+              <a:rPr lang="en-US" altLang="zh-TW" dirty="0" smtClean="0"/>
+              <a:t>min </a:t>
+            </a:r>
+            <a:r>
+              <a:rPr lang="en-US" altLang="zh-TW" dirty="0"/>
+              <a:t>F(x)=(f1(x), f2(x</a:t>
+            </a:r>
+            <a:r>
+              <a:rPr lang="en-US" altLang="zh-TW" dirty="0" smtClean="0"/>
+              <a:t>))</a:t>
+            </a:r>
+            <a:r>
+              <a:rPr lang="zh-TW" altLang="en-US" dirty="0" smtClean="0"/>
+              <a:t>，若</a:t>
+            </a:r>
+            <a:r>
+              <a:rPr lang="en-US" altLang="zh-TW" dirty="0" smtClean="0"/>
+              <a:t>x1</a:t>
+            </a:r>
+            <a:r>
+              <a:rPr lang="zh-TW" altLang="en-US" dirty="0" smtClean="0"/>
+              <a:t>支配</a:t>
+            </a:r>
+            <a:r>
+              <a:rPr lang="en-US" altLang="zh-TW" dirty="0" smtClean="0"/>
+              <a:t>x2</a:t>
+            </a:r>
+            <a:r>
+              <a:rPr lang="zh-TW" altLang="en-US" dirty="0" smtClean="0"/>
+              <a:t>，則必須同時滿足下列兩個條件</a:t>
+            </a:r>
+          </a:p>
+          <a:p>
+            <a:pPr lvl="1">
+              <a:buFont typeface="Wingdings" panose="05000000000000000000" pitchFamily="2" charset="2"/>
+              <a:buChar char="Ø"/>
+            </a:pPr>
+            <a:r>
+              <a:rPr lang="zh-TW" altLang="en-US" dirty="0" smtClean="0"/>
+              <a:t>任一</a:t>
+            </a:r>
+            <a:r>
+              <a:rPr lang="en-US" altLang="zh-TW" dirty="0" smtClean="0"/>
+              <a:t>fi(x1)&lt;=fi(x2)</a:t>
+            </a:r>
+            <a:r>
+              <a:rPr lang="zh-TW" altLang="en-US" dirty="0" smtClean="0"/>
+              <a:t>，其中</a:t>
+            </a:r>
+            <a:r>
+              <a:rPr lang="en-US" altLang="zh-TW" dirty="0" err="1" smtClean="0"/>
+              <a:t>i</a:t>
+            </a:r>
+            <a:r>
+              <a:rPr lang="zh-TW" altLang="en-US" dirty="0" smtClean="0"/>
+              <a:t>屬於</a:t>
+            </a:r>
+            <a:r>
+              <a:rPr lang="en-US" altLang="zh-TW" dirty="0" smtClean="0"/>
+              <a:t>{1, 2, …, k}</a:t>
+            </a:r>
+          </a:p>
+          <a:p>
+            <a:pPr lvl="1">
+              <a:buFont typeface="Wingdings" panose="05000000000000000000" pitchFamily="2" charset="2"/>
+              <a:buChar char="Ø"/>
+            </a:pPr>
+            <a:r>
+              <a:rPr lang="zh-TW" altLang="en-US" dirty="0" smtClean="0"/>
+              <a:t>至少有一個</a:t>
+            </a:r>
+            <a:r>
+              <a:rPr lang="en-US" altLang="zh-TW" dirty="0" smtClean="0"/>
+              <a:t>fi(x1)&lt;fi(x2)</a:t>
+            </a:r>
+            <a:r>
+              <a:rPr lang="zh-TW" altLang="en-US" dirty="0" smtClean="0"/>
+              <a:t>，其中</a:t>
+            </a:r>
+            <a:r>
+              <a:rPr lang="en-US" altLang="zh-TW" dirty="0" err="1" smtClean="0"/>
+              <a:t>i</a:t>
+            </a:r>
+            <a:r>
+              <a:rPr lang="zh-TW" altLang="en-US" dirty="0" smtClean="0"/>
+              <a:t>屬於</a:t>
+            </a:r>
+            <a:r>
+              <a:rPr lang="en-US" altLang="zh-TW" dirty="0" smtClean="0"/>
+              <a:t>{1, 2, …, k}</a:t>
+            </a:r>
+          </a:p>
+        </p:txBody>
+      </p:sp>
     </p:spTree>
     <p:extLst>
       <p:ext uri="{BB962C8B-B14F-4D97-AF65-F5344CB8AC3E}">
-        <p14:creationId xmlns:p14="http://schemas.microsoft.com/office/powerpoint/2010/main" val="2629225236"/>
+        <p14:creationId xmlns:p14="http://schemas.microsoft.com/office/powerpoint/2010/main" val="3866304287"/>
       </p:ext>
     </p:extLst>
   </p:cSld>
@@ -7570,13 +8066,7 @@
       </p:grpSpPr>
       <p:sp>
         <p:nvSpPr>
-          <p:cNvPr id="2" name="標題 1">
-            <a:extLst>
-              <a:ext uri="{FF2B5EF4-FFF2-40B4-BE49-F238E27FC236}">
-                <a16:creationId xmlns:a16="http://schemas.microsoft.com/office/drawing/2014/main" id="{296E0119-D9EE-43FD-BAD5-A24721895743}"/>
-              </a:ext>
-            </a:extLst>
-          </p:cNvPr>
+          <p:cNvPr id="2" name="標題 1"/>
           <p:cNvSpPr>
             <a:spLocks noGrp="1"/>
           </p:cNvSpPr>
@@ -7591,21 +8081,207 @@
           <a:p>
             <a:r>
               <a:rPr lang="en-US" altLang="zh-TW" dirty="0"/>
-              <a:t>A priori methods</a:t>
-            </a:r>
-            <a:r>
-              <a:rPr lang="zh-TW" altLang="en-US" dirty="0"/>
-              <a:t>的流程圖</a:t>
-            </a:r>
-          </a:p>
-        </p:txBody>
-      </p:sp>
-      <p:sp>
-        <p:nvSpPr>
-          <p:cNvPr id="12" name="文字方塊 11">
-            <a:extLst>
-              <a:ext uri="{FF2B5EF4-FFF2-40B4-BE49-F238E27FC236}">
-                <a16:creationId xmlns:a16="http://schemas.microsoft.com/office/drawing/2014/main" id="{4852DF88-DAE8-4684-8F4E-FEDD2FD289FB}"/>
+              <a:t>A priori </a:t>
+            </a:r>
+            <a:r>
+              <a:rPr lang="en-US" altLang="zh-TW" dirty="0" smtClean="0"/>
+              <a:t>methods(cont</a:t>
+            </a:r>
+            <a:r>
+              <a:rPr lang="en-US" altLang="zh-TW" dirty="0"/>
+              <a:t>.</a:t>
+            </a:r>
+            <a:r>
+              <a:rPr lang="en-US" altLang="zh-TW" dirty="0" smtClean="0"/>
+              <a:t>)</a:t>
+            </a:r>
+            <a:endParaRPr lang="zh-TW" altLang="en-US" dirty="0"/>
+          </a:p>
+        </p:txBody>
+      </p:sp>
+      <p:sp>
+        <p:nvSpPr>
+          <p:cNvPr id="3" name="內容版面配置區 2"/>
+          <p:cNvSpPr>
+            <a:spLocks noGrp="1"/>
+          </p:cNvSpPr>
+          <p:nvPr>
+            <p:ph idx="1"/>
+          </p:nvPr>
+        </p:nvSpPr>
+        <p:spPr/>
+        <p:txBody>
+          <a:bodyPr/>
+          <a:lstStyle/>
+          <a:p>
+            <a:r>
+              <a:rPr lang="zh-TW" altLang="en-US" dirty="0" smtClean="0"/>
+              <a:t>支配的符號是</a:t>
+            </a:r>
+            <a:r>
+              <a:rPr lang="en-US" altLang="zh-TW" dirty="0" smtClean="0"/>
+              <a:t>(</a:t>
+            </a:r>
+            <a:r>
+              <a:rPr lang="zh-TW" altLang="en-US" dirty="0" smtClean="0"/>
+              <a:t>≻</a:t>
+            </a:r>
+            <a:r>
+              <a:rPr lang="en-US" altLang="zh-TW" dirty="0" smtClean="0"/>
+              <a:t>)</a:t>
+            </a:r>
+            <a:r>
+              <a:rPr lang="zh-TW" altLang="en-US" dirty="0" smtClean="0"/>
+              <a:t>，但方向眾說紛紜，但可確定的是，若</a:t>
+            </a:r>
+            <a:r>
+              <a:rPr lang="en-US" altLang="zh-TW" dirty="0" smtClean="0"/>
+              <a:t>x</a:t>
+            </a:r>
+            <a:r>
+              <a:rPr lang="zh-TW" altLang="en-US" dirty="0" smtClean="0"/>
+              <a:t>支配</a:t>
+            </a:r>
+            <a:r>
+              <a:rPr lang="en-US" altLang="zh-TW" dirty="0" smtClean="0"/>
+              <a:t>(</a:t>
+            </a:r>
+            <a:r>
+              <a:rPr lang="zh-TW" altLang="en-US" dirty="0" smtClean="0"/>
+              <a:t>優於</a:t>
+            </a:r>
+            <a:r>
+              <a:rPr lang="en-US" altLang="zh-TW" dirty="0" smtClean="0"/>
+              <a:t>)y</a:t>
+            </a:r>
+            <a:r>
+              <a:rPr lang="zh-TW" altLang="en-US" dirty="0" smtClean="0"/>
+              <a:t>，則</a:t>
+            </a:r>
+            <a:r>
+              <a:rPr lang="en-US" altLang="zh-TW" dirty="0" smtClean="0"/>
+              <a:t>x</a:t>
+            </a:r>
+            <a:r>
+              <a:rPr lang="zh-TW" altLang="en-US" dirty="0" smtClean="0"/>
+              <a:t>必定在左側</a:t>
+            </a:r>
+            <a:r>
+              <a:rPr lang="en-US" altLang="zh-TW" dirty="0" smtClean="0"/>
+              <a:t>(winner)</a:t>
+            </a:r>
+            <a:r>
+              <a:rPr lang="zh-TW" altLang="en-US" dirty="0" smtClean="0"/>
+              <a:t>；</a:t>
+            </a:r>
+            <a:r>
+              <a:rPr lang="en-US" altLang="zh-TW" dirty="0" smtClean="0"/>
+              <a:t>y</a:t>
+            </a:r>
+            <a:r>
+              <a:rPr lang="zh-TW" altLang="en-US" dirty="0" smtClean="0"/>
+              <a:t>在右側</a:t>
+            </a:r>
+            <a:r>
+              <a:rPr lang="en-US" altLang="zh-TW" dirty="0" smtClean="0"/>
+              <a:t>(loser)</a:t>
+            </a:r>
+          </a:p>
+        </p:txBody>
+      </p:sp>
+      <p:pic>
+        <p:nvPicPr>
+          <p:cNvPr id="5" name="圖片 4"/>
+          <p:cNvPicPr>
+            <a:picLocks noChangeAspect="1"/>
+          </p:cNvPicPr>
+          <p:nvPr/>
+        </p:nvPicPr>
+        <p:blipFill>
+          <a:blip r:embed="rId2"/>
+          <a:stretch>
+            <a:fillRect/>
+          </a:stretch>
+        </p:blipFill>
+        <p:spPr>
+          <a:xfrm>
+            <a:off x="838345" y="2780928"/>
+            <a:ext cx="4762500" cy="942975"/>
+          </a:xfrm>
+          <a:prstGeom prst="rect">
+            <a:avLst/>
+          </a:prstGeom>
+          <a:ln>
+            <a:solidFill>
+              <a:srgbClr val="FF0000"/>
+            </a:solidFill>
+          </a:ln>
+        </p:spPr>
+      </p:pic>
+      <p:pic>
+        <p:nvPicPr>
+          <p:cNvPr id="4" name="圖片 3"/>
+          <p:cNvPicPr>
+            <a:picLocks noChangeAspect="1"/>
+          </p:cNvPicPr>
+          <p:nvPr/>
+        </p:nvPicPr>
+        <p:blipFill>
+          <a:blip r:embed="rId3"/>
+          <a:stretch>
+            <a:fillRect/>
+          </a:stretch>
+        </p:blipFill>
+        <p:spPr>
+          <a:xfrm>
+            <a:off x="838200" y="3861048"/>
+            <a:ext cx="6276975" cy="533400"/>
+          </a:xfrm>
+          <a:prstGeom prst="rect">
+            <a:avLst/>
+          </a:prstGeom>
+          <a:ln>
+            <a:solidFill>
+              <a:srgbClr val="FF0000"/>
+            </a:solidFill>
+          </a:ln>
+        </p:spPr>
+      </p:pic>
+      <p:pic>
+        <p:nvPicPr>
+          <p:cNvPr id="6" name="圖片 5"/>
+          <p:cNvPicPr>
+            <a:picLocks noChangeAspect="1"/>
+          </p:cNvPicPr>
+          <p:nvPr/>
+        </p:nvPicPr>
+        <p:blipFill>
+          <a:blip r:embed="rId4"/>
+          <a:stretch>
+            <a:fillRect/>
+          </a:stretch>
+        </p:blipFill>
+        <p:spPr>
+          <a:xfrm>
+            <a:off x="838200" y="5101109"/>
+            <a:ext cx="3886200" cy="295275"/>
+          </a:xfrm>
+          <a:prstGeom prst="rect">
+            <a:avLst/>
+          </a:prstGeom>
+          <a:ln>
+            <a:solidFill>
+              <a:schemeClr val="accent6"/>
+            </a:solidFill>
+          </a:ln>
+        </p:spPr>
+      </p:pic>
+      <p:sp>
+        <p:nvSpPr>
+          <p:cNvPr id="7" name="文字方塊 6">
+            <a:extLst>
+              <a:ext uri="{FF2B5EF4-FFF2-40B4-BE49-F238E27FC236}">
+                <a16:creationId xmlns:a16="http://schemas.microsoft.com/office/drawing/2014/main" id="{55CDFB97-1881-4FB2-8A94-0FE6955879D2}"/>
               </a:ext>
             </a:extLst>
           </p:cNvPr>
@@ -7614,8 +8290,8 @@
         </p:nvSpPr>
         <p:spPr>
           <a:xfrm>
-            <a:off x="838200" y="6215876"/>
-            <a:ext cx="5206425" cy="276999"/>
+            <a:off x="838200" y="5949280"/>
+            <a:ext cx="5899179" cy="830997"/>
           </a:xfrm>
           <a:prstGeom prst="rect">
             <a:avLst/>
@@ -7629,14 +8305,56 @@
           <a:lstStyle/>
           <a:p>
             <a:r>
+              <a:rPr lang="en-US" altLang="zh-TW" sz="1200" b="0" i="0" dirty="0">
+                <a:solidFill>
+                  <a:srgbClr val="222222"/>
+                </a:solidFill>
+                <a:effectLst/>
+                <a:latin typeface="Arial" panose="020B0604020202020204" pitchFamily="34" charset="0"/>
+                <a:hlinkClick r:id="rId5"/>
+              </a:rPr>
+              <a:t>[1] </a:t>
+            </a:r>
+            <a:r>
+              <a:rPr lang="en-US" altLang="zh-TW" sz="1200" b="0" i="0" dirty="0" err="1">
+                <a:solidFill>
+                  <a:srgbClr val="222222"/>
+                </a:solidFill>
+                <a:effectLst/>
+                <a:latin typeface="Arial" panose="020B0604020202020204" pitchFamily="34" charset="0"/>
+                <a:hlinkClick r:id="rId5"/>
+              </a:rPr>
+              <a:t>wurmen</a:t>
+            </a:r>
+            <a:r>
+              <a:rPr lang="en-US" altLang="zh-TW" sz="1200" b="0" i="0" dirty="0">
+                <a:solidFill>
+                  <a:srgbClr val="222222"/>
+                </a:solidFill>
+                <a:effectLst/>
+                <a:latin typeface="Arial" panose="020B0604020202020204" pitchFamily="34" charset="0"/>
+                <a:hlinkClick r:id="rId5"/>
+              </a:rPr>
+              <a:t>, Nondominated Sorting Genetic Algorithm II (NSGA-II)</a:t>
+            </a:r>
+            <a:endParaRPr lang="en-US" altLang="zh-TW" sz="1200" b="0" i="0" dirty="0">
+              <a:solidFill>
+                <a:srgbClr val="222222"/>
+              </a:solidFill>
+              <a:effectLst/>
+              <a:latin typeface="Arial" panose="020B0604020202020204" pitchFamily="34" charset="0"/>
+            </a:endParaRPr>
+          </a:p>
+          <a:p>
+            <a:r>
               <a:rPr lang="en-US" altLang="zh-TW" sz="1200" dirty="0">
                 <a:solidFill>
                   <a:srgbClr val="222222"/>
                 </a:solidFill>
                 <a:latin typeface="Arial" panose="020B0604020202020204" pitchFamily="34" charset="0"/>
-                <a:hlinkClick r:id="rId2"/>
+                <a:hlinkClick r:id="rId6"/>
               </a:rPr>
-              <a:t>[1] </a:t>
+              <a:t>[2] </a:t>
             </a:r>
             <a:r>
               <a:rPr lang="en-US" altLang="zh-TW" sz="1200" dirty="0" err="1">
@@ -7644,7 +8362,7 @@
                   <a:srgbClr val="222222"/>
                 </a:solidFill>
                 <a:latin typeface="Arial" panose="020B0604020202020204" pitchFamily="34" charset="0"/>
-                <a:hlinkClick r:id="rId2"/>
+                <a:hlinkClick r:id="rId6"/>
               </a:rPr>
               <a:t>Seyedali</a:t>
             </a:r>
@@ -7654,7 +8372,7 @@
                   <a:srgbClr val="222222"/>
                 </a:solidFill>
                 <a:latin typeface="Arial" panose="020B0604020202020204" pitchFamily="34" charset="0"/>
-                <a:hlinkClick r:id="rId2"/>
+                <a:hlinkClick r:id="rId6"/>
               </a:rPr>
               <a:t> </a:t>
             </a:r>
@@ -7664,7 +8382,7 @@
                   <a:srgbClr val="222222"/>
                 </a:solidFill>
                 <a:latin typeface="Arial" panose="020B0604020202020204" pitchFamily="34" charset="0"/>
-                <a:hlinkClick r:id="rId2"/>
+                <a:hlinkClick r:id="rId6"/>
               </a:rPr>
               <a:t>Mirjalili</a:t>
             </a:r>
@@ -7674,30 +8392,148 @@
                   <a:srgbClr val="222222"/>
                 </a:solidFill>
                 <a:latin typeface="Arial" panose="020B0604020202020204" pitchFamily="34" charset="0"/>
-                <a:hlinkClick r:id="rId2"/>
+                <a:hlinkClick r:id="rId6"/>
               </a:rPr>
-              <a:t>, Multi-objective Optimization Problems and Algorithms</a:t>
-            </a:r>
-            <a:endParaRPr lang="zh-TW" altLang="en-US" sz="1200" dirty="0"/>
-          </a:p>
-        </p:txBody>
-      </p:sp>
-      <p:sp>
-        <p:nvSpPr>
-          <p:cNvPr id="13" name="文字方塊 12">
-            <a:extLst>
-              <a:ext uri="{FF2B5EF4-FFF2-40B4-BE49-F238E27FC236}">
-                <a16:creationId xmlns:a16="http://schemas.microsoft.com/office/drawing/2014/main" id="{9BB8B84D-D1A3-4A7F-865D-171B44206CCA}"/>
-              </a:ext>
-            </a:extLst>
-          </p:cNvPr>
+              <a:t>, Multi-objective Optimization Problems and </a:t>
+            </a:r>
+            <a:r>
+              <a:rPr lang="en-US" altLang="zh-TW" sz="1200" dirty="0" smtClean="0">
+                <a:solidFill>
+                  <a:srgbClr val="222222"/>
+                </a:solidFill>
+                <a:latin typeface="Arial" panose="020B0604020202020204" pitchFamily="34" charset="0"/>
+                <a:hlinkClick r:id="rId6"/>
+              </a:rPr>
+              <a:t>Algorithms</a:t>
+            </a:r>
+            <a:endParaRPr lang="en-US" altLang="zh-TW" sz="1200" dirty="0" smtClean="0">
+              <a:solidFill>
+                <a:srgbClr val="222222"/>
+              </a:solidFill>
+              <a:latin typeface="Arial" panose="020B0604020202020204" pitchFamily="34" charset="0"/>
+            </a:endParaRPr>
+          </a:p>
+          <a:p>
+            <a:r>
+              <a:rPr lang="en-US" altLang="zh-TW" sz="1200" dirty="0">
+                <a:solidFill>
+                  <a:srgbClr val="222222"/>
+                </a:solidFill>
+                <a:latin typeface="Arial" panose="020B0604020202020204" pitchFamily="34" charset="0"/>
+                <a:hlinkClick r:id="rId7"/>
+              </a:rPr>
+              <a:t>[3] </a:t>
+            </a:r>
+            <a:r>
+              <a:rPr lang="en-US" altLang="zh-TW" sz="1200" dirty="0" err="1">
+                <a:hlinkClick r:id="rId7"/>
+              </a:rPr>
+              <a:t>Kalyanmoy</a:t>
+            </a:r>
+            <a:r>
+              <a:rPr lang="en-US" altLang="zh-TW" sz="1200" dirty="0">
+                <a:hlinkClick r:id="rId7"/>
+              </a:rPr>
+              <a:t> </a:t>
+            </a:r>
+            <a:r>
+              <a:rPr lang="en-US" altLang="zh-TW" sz="1200" dirty="0" smtClean="0">
+                <a:hlinkClick r:id="rId7"/>
+              </a:rPr>
+              <a:t>Deb, </a:t>
+            </a:r>
+            <a:r>
+              <a:rPr lang="en-US" altLang="zh-TW" sz="1200" dirty="0" smtClean="0">
+                <a:solidFill>
+                  <a:srgbClr val="222222"/>
+                </a:solidFill>
+                <a:latin typeface="Arial" panose="020B0604020202020204" pitchFamily="34" charset="0"/>
+                <a:hlinkClick r:id="rId7"/>
+              </a:rPr>
+              <a:t>A </a:t>
+            </a:r>
+            <a:r>
+              <a:rPr lang="en-US" altLang="zh-TW" sz="1200" dirty="0">
+                <a:solidFill>
+                  <a:srgbClr val="222222"/>
+                </a:solidFill>
+                <a:latin typeface="Arial" panose="020B0604020202020204" pitchFamily="34" charset="0"/>
+                <a:hlinkClick r:id="rId7"/>
+              </a:rPr>
+              <a:t>Fast and Elitist </a:t>
+            </a:r>
+            <a:r>
+              <a:rPr lang="en-US" altLang="zh-TW" sz="1200" dirty="0" err="1">
+                <a:solidFill>
+                  <a:srgbClr val="222222"/>
+                </a:solidFill>
+                <a:latin typeface="Arial" panose="020B0604020202020204" pitchFamily="34" charset="0"/>
+                <a:hlinkClick r:id="rId7"/>
+              </a:rPr>
+              <a:t>Multiobjective</a:t>
+            </a:r>
+            <a:r>
+              <a:rPr lang="en-US" altLang="zh-TW" sz="1200" dirty="0">
+                <a:solidFill>
+                  <a:srgbClr val="222222"/>
+                </a:solidFill>
+                <a:latin typeface="Arial" panose="020B0604020202020204" pitchFamily="34" charset="0"/>
+                <a:hlinkClick r:id="rId7"/>
+              </a:rPr>
+              <a:t> Genetic Algorithm: </a:t>
+            </a:r>
+            <a:r>
+              <a:rPr lang="en-US" altLang="zh-TW" sz="1200" dirty="0" smtClean="0">
+                <a:solidFill>
+                  <a:srgbClr val="222222"/>
+                </a:solidFill>
+                <a:latin typeface="Arial" panose="020B0604020202020204" pitchFamily="34" charset="0"/>
+                <a:hlinkClick r:id="rId7"/>
+              </a:rPr>
+              <a:t>NSGA-II, 2002</a:t>
+            </a:r>
+            <a:endParaRPr lang="en-US" altLang="zh-TW" sz="1200" dirty="0" smtClean="0">
+              <a:solidFill>
+                <a:srgbClr val="222222"/>
+              </a:solidFill>
+              <a:latin typeface="Arial" panose="020B0604020202020204" pitchFamily="34" charset="0"/>
+            </a:endParaRPr>
+          </a:p>
+          <a:p>
+            <a:r>
+              <a:rPr lang="en-US" altLang="zh-TW" sz="1200" dirty="0" smtClean="0">
+                <a:solidFill>
+                  <a:srgbClr val="222222"/>
+                </a:solidFill>
+                <a:latin typeface="Arial" panose="020B0604020202020204" pitchFamily="34" charset="0"/>
+                <a:hlinkClick r:id="rId8"/>
+              </a:rPr>
+              <a:t>[4] Wiki</a:t>
+            </a:r>
+            <a:r>
+              <a:rPr lang="en-US" altLang="zh-TW" sz="1200" dirty="0">
+                <a:solidFill>
+                  <a:srgbClr val="222222"/>
+                </a:solidFill>
+                <a:latin typeface="Arial" panose="020B0604020202020204" pitchFamily="34" charset="0"/>
+                <a:hlinkClick r:id="rId8"/>
+              </a:rPr>
+              <a:t>, Pareto efficiency</a:t>
+            </a:r>
+            <a:endParaRPr lang="en-US" altLang="zh-TW" dirty="0"/>
+          </a:p>
+        </p:txBody>
+      </p:sp>
+      <p:sp>
+        <p:nvSpPr>
+          <p:cNvPr id="8" name="文字方塊 7"/>
           <p:cNvSpPr txBox="1"/>
           <p:nvPr/>
         </p:nvSpPr>
         <p:spPr>
           <a:xfrm>
-            <a:off x="8832304" y="3212976"/>
-            <a:ext cx="3175851" cy="646331"/>
+            <a:off x="5600845" y="3067749"/>
+            <a:ext cx="442750" cy="369332"/>
           </a:xfrm>
           <a:prstGeom prst="rect">
             <a:avLst/>
@@ -7705,107 +8541,83 @@
           <a:noFill/>
         </p:spPr>
         <p:txBody>
-          <a:bodyPr wrap="square" rtlCol="0">
+          <a:bodyPr wrap="none" rtlCol="0">
             <a:spAutoFit/>
           </a:bodyPr>
           <a:lstStyle/>
           <a:p>
             <a:r>
-              <a:rPr lang="en-US" altLang="zh-TW" b="1" dirty="0">
-                <a:solidFill>
-                  <a:srgbClr val="FF0000"/>
-                </a:solidFill>
-                <a:latin typeface="微軟正黑體" panose="020B0604030504040204" pitchFamily="34" charset="-120"/>
-                <a:ea typeface="微軟正黑體" panose="020B0604030504040204" pitchFamily="34" charset="-120"/>
-              </a:rPr>
-              <a:t>[1]</a:t>
-            </a:r>
-            <a:r>
-              <a:rPr lang="zh-TW" altLang="en-US" b="1" dirty="0">
-                <a:solidFill>
-                  <a:srgbClr val="FF0000"/>
-                </a:solidFill>
-                <a:latin typeface="微軟正黑體" panose="020B0604030504040204" pitchFamily="34" charset="-120"/>
-                <a:ea typeface="微軟正黑體" panose="020B0604030504040204" pitchFamily="34" charset="-120"/>
-              </a:rPr>
-              <a:t>第</a:t>
-            </a:r>
-            <a:r>
-              <a:rPr lang="en-US" altLang="zh-TW" b="1" dirty="0">
-                <a:solidFill>
-                  <a:srgbClr val="FF0000"/>
-                </a:solidFill>
-                <a:latin typeface="微軟正黑體" panose="020B0604030504040204" pitchFamily="34" charset="-120"/>
-                <a:ea typeface="微軟正黑體" panose="020B0604030504040204" pitchFamily="34" charset="-120"/>
-              </a:rPr>
-              <a:t>17</a:t>
-            </a:r>
-            <a:r>
-              <a:rPr lang="zh-TW" altLang="en-US" b="1" dirty="0">
-                <a:solidFill>
-                  <a:srgbClr val="FF0000"/>
-                </a:solidFill>
-                <a:latin typeface="微軟正黑體" panose="020B0604030504040204" pitchFamily="34" charset="-120"/>
-                <a:ea typeface="微軟正黑體" panose="020B0604030504040204" pitchFamily="34" charset="-120"/>
-              </a:rPr>
-              <a:t>堂課的代碼流程圖，不確定講師是參考哪篇</a:t>
-            </a:r>
-            <a:r>
-              <a:rPr lang="en-US" altLang="zh-TW" b="1" dirty="0">
-                <a:solidFill>
-                  <a:srgbClr val="FF0000"/>
-                </a:solidFill>
-                <a:latin typeface="微軟正黑體" panose="020B0604030504040204" pitchFamily="34" charset="-120"/>
-                <a:ea typeface="微軟正黑體" panose="020B0604030504040204" pitchFamily="34" charset="-120"/>
-              </a:rPr>
-              <a:t>paper</a:t>
-            </a:r>
-            <a:endParaRPr lang="zh-TW" altLang="en-US" dirty="0">
-              <a:latin typeface="微軟正黑體" panose="020B0604030504040204" pitchFamily="34" charset="-120"/>
-              <a:ea typeface="微軟正黑體" panose="020B0604030504040204" pitchFamily="34" charset="-120"/>
-            </a:endParaRPr>
-          </a:p>
-        </p:txBody>
-      </p:sp>
-      <p:pic>
-        <p:nvPicPr>
-          <p:cNvPr id="6" name="內容版面配置區 5">
-            <a:extLst>
-              <a:ext uri="{FF2B5EF4-FFF2-40B4-BE49-F238E27FC236}">
-                <a16:creationId xmlns:a16="http://schemas.microsoft.com/office/drawing/2014/main" id="{BDBBF44C-CBEF-4016-B69B-772365D571A6}"/>
-              </a:ext>
-            </a:extLst>
-          </p:cNvPr>
-          <p:cNvPicPr>
-            <a:picLocks noGrp="1" noChangeAspect="1"/>
-          </p:cNvPicPr>
-          <p:nvPr>
-            <p:ph idx="1"/>
-          </p:nvPr>
-        </p:nvPicPr>
-        <p:blipFill>
-          <a:blip r:embed="rId3">
-            <a:extLst>
-              <a:ext uri="{28A0092B-C50C-407E-A947-70E740481C1C}">
-                <a14:useLocalDpi xmlns:a14="http://schemas.microsoft.com/office/drawing/2010/main" val="0"/>
-              </a:ext>
-            </a:extLst>
-          </a:blip>
-          <a:stretch>
-            <a:fillRect/>
-          </a:stretch>
-        </p:blipFill>
+              <a:rPr lang="en-US" altLang="zh-TW" dirty="0" smtClean="0"/>
+              <a:t>[4]</a:t>
+            </a:r>
+            <a:endParaRPr lang="zh-TW" altLang="en-US" dirty="0"/>
+          </a:p>
+        </p:txBody>
+      </p:sp>
+      <p:sp>
+        <p:nvSpPr>
+          <p:cNvPr id="9" name="文字方塊 8"/>
+          <p:cNvSpPr txBox="1"/>
+          <p:nvPr/>
+        </p:nvSpPr>
         <p:spPr>
           <a:xfrm>
-            <a:off x="4762619" y="1825625"/>
-            <a:ext cx="2666761" cy="4351338"/>
+            <a:off x="7127769" y="3943082"/>
+            <a:ext cx="442750" cy="369332"/>
           </a:xfrm>
+          <a:prstGeom prst="rect">
+            <a:avLst/>
+          </a:prstGeom>
+          <a:noFill/>
         </p:spPr>
-      </p:pic>
+        <p:txBody>
+          <a:bodyPr wrap="none" rtlCol="0">
+            <a:spAutoFit/>
+          </a:bodyPr>
+          <a:lstStyle/>
+          <a:p>
+            <a:r>
+              <a:rPr lang="en-US" altLang="zh-TW" dirty="0" smtClean="0"/>
+              <a:t>[1]</a:t>
+            </a:r>
+            <a:endParaRPr lang="zh-TW" altLang="en-US" dirty="0"/>
+          </a:p>
+        </p:txBody>
+      </p:sp>
+      <p:sp>
+        <p:nvSpPr>
+          <p:cNvPr id="10" name="文字方塊 9"/>
+          <p:cNvSpPr txBox="1"/>
+          <p:nvPr/>
+        </p:nvSpPr>
+        <p:spPr>
+          <a:xfrm>
+            <a:off x="4799856" y="5058752"/>
+            <a:ext cx="670376" cy="369332"/>
+          </a:xfrm>
+          <a:prstGeom prst="rect">
+            <a:avLst/>
+          </a:prstGeom>
+          <a:noFill/>
+        </p:spPr>
+        <p:txBody>
+          <a:bodyPr wrap="none" rtlCol="0">
+            <a:spAutoFit/>
+          </a:bodyPr>
+          <a:lstStyle/>
+          <a:p>
+            <a:r>
+              <a:rPr lang="en-US" altLang="zh-TW" dirty="0" smtClean="0"/>
+              <a:t>[2, 3]</a:t>
+            </a:r>
+            <a:endParaRPr lang="zh-TW" altLang="en-US" dirty="0"/>
+          </a:p>
+        </p:txBody>
+      </p:sp>
     </p:spTree>
     <p:extLst>
       <p:ext uri="{BB962C8B-B14F-4D97-AF65-F5344CB8AC3E}">
-        <p14:creationId xmlns:p14="http://schemas.microsoft.com/office/powerpoint/2010/main" val="732338044"/>
+        <p14:creationId xmlns:p14="http://schemas.microsoft.com/office/powerpoint/2010/main" val="3750205185"/>
       </p:ext>
     </p:extLst>
   </p:cSld>
